--- a/presentation/Introduction to Web Mapping.pptx
+++ b/presentation/Introduction to Web Mapping.pptx
@@ -21,13 +21,16 @@
     <p:sldId id="270" r:id="rId15"/>
     <p:sldId id="271" r:id="rId16"/>
     <p:sldId id="273" r:id="rId17"/>
-    <p:sldId id="272" r:id="rId18"/>
-    <p:sldId id="274" r:id="rId19"/>
-    <p:sldId id="275" r:id="rId20"/>
-    <p:sldId id="276" r:id="rId21"/>
-    <p:sldId id="277" r:id="rId22"/>
-    <p:sldId id="278" r:id="rId23"/>
-    <p:sldId id="279" r:id="rId24"/>
+    <p:sldId id="281" r:id="rId18"/>
+    <p:sldId id="282" r:id="rId19"/>
+    <p:sldId id="280" r:id="rId20"/>
+    <p:sldId id="272" r:id="rId21"/>
+    <p:sldId id="274" r:id="rId22"/>
+    <p:sldId id="275" r:id="rId23"/>
+    <p:sldId id="276" r:id="rId24"/>
+    <p:sldId id="277" r:id="rId25"/>
+    <p:sldId id="278" r:id="rId26"/>
+    <p:sldId id="279" r:id="rId27"/>
   </p:sldIdLst>
   <p:sldSz cx="9144000" cy="5143500" type="screen16x9"/>
   <p:notesSz cx="6858000" cy="9144000"/>
@@ -310,7 +313,8 @@
           <a:p>
             <a:fld id="{D192356E-1989-45DF-9A8F-140A23C2747A}" type="datetimeFigureOut">
               <a:rPr lang="en-US" smtClean="0"/>
-              <a:t>11/12/2014</a:t>
+              <a:pPr/>
+              <a:t>2/18/2015</a:t>
             </a:fld>
             <a:endParaRPr lang="en-US"/>
           </a:p>
@@ -352,6 +356,7 @@
           <a:p>
             <a:fld id="{FA2AA385-65D7-4078-9D43-7BADBAF381FB}" type="slidenum">
               <a:rPr lang="en-US" smtClean="0"/>
+              <a:pPr/>
               <a:t>‹#›</a:t>
             </a:fld>
             <a:endParaRPr lang="en-US"/>
@@ -475,7 +480,8 @@
           <a:p>
             <a:fld id="{D192356E-1989-45DF-9A8F-140A23C2747A}" type="datetimeFigureOut">
               <a:rPr lang="en-US" smtClean="0"/>
-              <a:t>11/12/2014</a:t>
+              <a:pPr/>
+              <a:t>2/18/2015</a:t>
             </a:fld>
             <a:endParaRPr lang="en-US"/>
           </a:p>
@@ -517,6 +523,7 @@
           <a:p>
             <a:fld id="{FA2AA385-65D7-4078-9D43-7BADBAF381FB}" type="slidenum">
               <a:rPr lang="en-US" smtClean="0"/>
+              <a:pPr/>
               <a:t>‹#›</a:t>
             </a:fld>
             <a:endParaRPr lang="en-US"/>
@@ -657,7 +664,8 @@
           <a:p>
             <a:fld id="{D192356E-1989-45DF-9A8F-140A23C2747A}" type="datetimeFigureOut">
               <a:rPr lang="en-US" smtClean="0"/>
-              <a:t>11/12/2014</a:t>
+              <a:pPr/>
+              <a:t>2/18/2015</a:t>
             </a:fld>
             <a:endParaRPr lang="en-US"/>
           </a:p>
@@ -699,6 +707,7 @@
           <a:p>
             <a:fld id="{FA2AA385-65D7-4078-9D43-7BADBAF381FB}" type="slidenum">
               <a:rPr lang="en-US" smtClean="0"/>
+              <a:pPr/>
               <a:t>‹#›</a:t>
             </a:fld>
             <a:endParaRPr lang="en-US"/>
@@ -782,7 +791,8 @@
           <a:p>
             <a:fld id="{D192356E-1989-45DF-9A8F-140A23C2747A}" type="datetimeFigureOut">
               <a:rPr lang="en-US" smtClean="0"/>
-              <a:t>11/12/2014</a:t>
+              <a:pPr/>
+              <a:t>2/18/2015</a:t>
             </a:fld>
             <a:endParaRPr lang="en-US"/>
           </a:p>
@@ -824,6 +834,7 @@
           <a:p>
             <a:fld id="{FA2AA385-65D7-4078-9D43-7BADBAF381FB}" type="slidenum">
               <a:rPr lang="en-US" smtClean="0"/>
+              <a:pPr/>
               <a:t>‹#›</a:t>
             </a:fld>
             <a:endParaRPr lang="en-US"/>
@@ -1023,7 +1034,8 @@
           <a:p>
             <a:fld id="{D192356E-1989-45DF-9A8F-140A23C2747A}" type="datetimeFigureOut">
               <a:rPr lang="en-US" smtClean="0"/>
-              <a:t>11/12/2014</a:t>
+              <a:pPr/>
+              <a:t>2/18/2015</a:t>
             </a:fld>
             <a:endParaRPr lang="en-US"/>
           </a:p>
@@ -1065,6 +1077,7 @@
           <a:p>
             <a:fld id="{FA2AA385-65D7-4078-9D43-7BADBAF381FB}" type="slidenum">
               <a:rPr lang="en-US" smtClean="0"/>
+              <a:pPr/>
               <a:t>‹#›</a:t>
             </a:fld>
             <a:endParaRPr lang="en-US"/>
@@ -1221,7 +1234,8 @@
           <a:p>
             <a:fld id="{D192356E-1989-45DF-9A8F-140A23C2747A}" type="datetimeFigureOut">
               <a:rPr lang="en-US" smtClean="0"/>
-              <a:t>11/12/2014</a:t>
+              <a:pPr/>
+              <a:t>2/18/2015</a:t>
             </a:fld>
             <a:endParaRPr lang="en-US"/>
           </a:p>
@@ -1263,6 +1277,7 @@
           <a:p>
             <a:fld id="{FA2AA385-65D7-4078-9D43-7BADBAF381FB}" type="slidenum">
               <a:rPr lang="en-US" smtClean="0"/>
+              <a:pPr/>
               <a:t>‹#›</a:t>
             </a:fld>
             <a:endParaRPr lang="en-US"/>
@@ -1650,7 +1665,8 @@
           <a:p>
             <a:fld id="{D192356E-1989-45DF-9A8F-140A23C2747A}" type="datetimeFigureOut">
               <a:rPr lang="en-US" smtClean="0"/>
-              <a:t>11/12/2014</a:t>
+              <a:pPr/>
+              <a:t>2/18/2015</a:t>
             </a:fld>
             <a:endParaRPr lang="en-US"/>
           </a:p>
@@ -1692,6 +1708,7 @@
           <a:p>
             <a:fld id="{FA2AA385-65D7-4078-9D43-7BADBAF381FB}" type="slidenum">
               <a:rPr lang="en-US" smtClean="0"/>
+              <a:pPr/>
               <a:t>‹#›</a:t>
             </a:fld>
             <a:endParaRPr lang="en-US"/>
@@ -1770,7 +1787,8 @@
           <a:p>
             <a:fld id="{D192356E-1989-45DF-9A8F-140A23C2747A}" type="datetimeFigureOut">
               <a:rPr lang="en-US" smtClean="0"/>
-              <a:t>11/12/2014</a:t>
+              <a:pPr/>
+              <a:t>2/18/2015</a:t>
             </a:fld>
             <a:endParaRPr lang="en-US"/>
           </a:p>
@@ -1812,6 +1830,7 @@
           <a:p>
             <a:fld id="{FA2AA385-65D7-4078-9D43-7BADBAF381FB}" type="slidenum">
               <a:rPr lang="en-US" smtClean="0"/>
+              <a:pPr/>
               <a:t>‹#›</a:t>
             </a:fld>
             <a:endParaRPr lang="en-US"/>
@@ -1860,7 +1879,8 @@
           <a:p>
             <a:fld id="{D192356E-1989-45DF-9A8F-140A23C2747A}" type="datetimeFigureOut">
               <a:rPr lang="en-US" smtClean="0"/>
-              <a:t>11/12/2014</a:t>
+              <a:pPr/>
+              <a:t>2/18/2015</a:t>
             </a:fld>
             <a:endParaRPr lang="en-US"/>
           </a:p>
@@ -1902,6 +1922,7 @@
           <a:p>
             <a:fld id="{FA2AA385-65D7-4078-9D43-7BADBAF381FB}" type="slidenum">
               <a:rPr lang="en-US" smtClean="0"/>
+              <a:pPr/>
               <a:t>‹#›</a:t>
             </a:fld>
             <a:endParaRPr lang="en-US"/>
@@ -2132,7 +2153,8 @@
           <a:p>
             <a:fld id="{D192356E-1989-45DF-9A8F-140A23C2747A}" type="datetimeFigureOut">
               <a:rPr lang="en-US" smtClean="0"/>
-              <a:t>11/12/2014</a:t>
+              <a:pPr/>
+              <a:t>2/18/2015</a:t>
             </a:fld>
             <a:endParaRPr lang="en-US"/>
           </a:p>
@@ -2174,6 +2196,7 @@
           <a:p>
             <a:fld id="{FA2AA385-65D7-4078-9D43-7BADBAF381FB}" type="slidenum">
               <a:rPr lang="en-US" smtClean="0"/>
+              <a:pPr/>
               <a:t>‹#›</a:t>
             </a:fld>
             <a:endParaRPr lang="en-US"/>
@@ -2387,7 +2410,8 @@
           <a:p>
             <a:fld id="{D192356E-1989-45DF-9A8F-140A23C2747A}" type="datetimeFigureOut">
               <a:rPr lang="en-US" smtClean="0"/>
-              <a:t>11/12/2014</a:t>
+              <a:pPr/>
+              <a:t>2/18/2015</a:t>
             </a:fld>
             <a:endParaRPr lang="en-US"/>
           </a:p>
@@ -2429,6 +2453,7 @@
           <a:p>
             <a:fld id="{FA2AA385-65D7-4078-9D43-7BADBAF381FB}" type="slidenum">
               <a:rPr lang="en-US" smtClean="0"/>
+              <a:pPr/>
               <a:t>‹#›</a:t>
             </a:fld>
             <a:endParaRPr lang="en-US"/>
@@ -2598,7 +2623,8 @@
           <a:p>
             <a:fld id="{D192356E-1989-45DF-9A8F-140A23C2747A}" type="datetimeFigureOut">
               <a:rPr lang="en-US" smtClean="0"/>
-              <a:t>11/12/2014</a:t>
+              <a:pPr/>
+              <a:t>2/18/2015</a:t>
             </a:fld>
             <a:endParaRPr lang="en-US"/>
           </a:p>
@@ -2676,6 +2702,7 @@
           <a:p>
             <a:fld id="{FA2AA385-65D7-4078-9D43-7BADBAF381FB}" type="slidenum">
               <a:rPr lang="en-US" smtClean="0"/>
+              <a:pPr/>
               <a:t>‹#›</a:t>
             </a:fld>
             <a:endParaRPr lang="en-US"/>
@@ -5294,6 +5321,695 @@
 <file path=ppt/slides/slide17.xml><?xml version="1.0" encoding="utf-8"?>
 <p:sld xmlns:a="http://schemas.openxmlformats.org/drawingml/2006/main" xmlns:r="http://schemas.openxmlformats.org/officeDocument/2006/relationships" xmlns:p="http://schemas.openxmlformats.org/presentationml/2006/main">
   <p:cSld>
+    <p:bg>
+      <p:bgPr>
+        <a:solidFill>
+          <a:srgbClr val="780A68"/>
+        </a:solidFill>
+        <a:effectLst/>
+      </p:bgPr>
+    </p:bg>
+    <p:spTree>
+      <p:nvGrpSpPr>
+        <p:cNvPr id="1" name=""/>
+        <p:cNvGrpSpPr/>
+        <p:nvPr/>
+      </p:nvGrpSpPr>
+      <p:grpSpPr>
+        <a:xfrm>
+          <a:off x="0" y="0"/>
+          <a:ext cx="0" cy="0"/>
+          <a:chOff x="0" y="0"/>
+          <a:chExt cx="0" cy="0"/>
+        </a:xfrm>
+      </p:grpSpPr>
+      <p:pic>
+        <p:nvPicPr>
+          <p:cNvPr id="6" name="Picture 5" descr="polygons1.png"/>
+          <p:cNvPicPr>
+            <a:picLocks noChangeAspect="1"/>
+          </p:cNvPicPr>
+          <p:nvPr/>
+        </p:nvPicPr>
+        <p:blipFill>
+          <a:blip r:embed="rId2" cstate="print"/>
+          <a:stretch>
+            <a:fillRect/>
+          </a:stretch>
+        </p:blipFill>
+        <p:spPr>
+          <a:xfrm>
+            <a:off x="1676400" y="1962150"/>
+            <a:ext cx="4953000" cy="2875595"/>
+          </a:xfrm>
+          <a:prstGeom prst="rect">
+            <a:avLst/>
+          </a:prstGeom>
+          <a:solidFill>
+            <a:srgbClr val="FFFFFF">
+              <a:shade val="85000"/>
+            </a:srgbClr>
+          </a:solidFill>
+          <a:ln w="101600" cap="sq">
+            <a:solidFill>
+              <a:srgbClr val="FDFDFD"/>
+            </a:solidFill>
+            <a:miter lim="800000"/>
+          </a:ln>
+          <a:effectLst>
+            <a:outerShdw blurRad="57150" dist="37500" dir="7560000" sy="98000" kx="110000" ky="200000" algn="tl" rotWithShape="0">
+              <a:srgbClr val="000000">
+                <a:alpha val="20000"/>
+              </a:srgbClr>
+            </a:outerShdw>
+          </a:effectLst>
+          <a:scene3d>
+            <a:camera prst="perspectiveRelaxed">
+              <a:rot lat="18960000" lon="0" rev="0"/>
+            </a:camera>
+            <a:lightRig rig="twoPt" dir="t">
+              <a:rot lat="0" lon="0" rev="7200000"/>
+            </a:lightRig>
+          </a:scene3d>
+          <a:sp3d prstMaterial="matte">
+            <a:bevelT w="22860" h="12700"/>
+            <a:contourClr>
+              <a:srgbClr val="FFFFFF"/>
+            </a:contourClr>
+          </a:sp3d>
+        </p:spPr>
+      </p:pic>
+      <p:pic>
+        <p:nvPicPr>
+          <p:cNvPr id="3" name="Picture 2" descr="lines1.png"/>
+          <p:cNvPicPr>
+            <a:picLocks noChangeAspect="1"/>
+          </p:cNvPicPr>
+          <p:nvPr/>
+        </p:nvPicPr>
+        <p:blipFill>
+          <a:blip r:embed="rId3" cstate="print"/>
+          <a:stretch>
+            <a:fillRect/>
+          </a:stretch>
+        </p:blipFill>
+        <p:spPr>
+          <a:xfrm>
+            <a:off x="533400" y="438150"/>
+            <a:ext cx="4419600" cy="2565915"/>
+          </a:xfrm>
+          <a:prstGeom prst="rect">
+            <a:avLst/>
+          </a:prstGeom>
+          <a:solidFill>
+            <a:srgbClr val="FFFFFF">
+              <a:shade val="85000"/>
+            </a:srgbClr>
+          </a:solidFill>
+          <a:ln w="101600" cap="sq">
+            <a:solidFill>
+              <a:srgbClr val="FDFDFD"/>
+            </a:solidFill>
+            <a:miter lim="800000"/>
+          </a:ln>
+          <a:effectLst>
+            <a:outerShdw blurRad="57150" dist="37500" dir="7560000" sy="98000" kx="110000" ky="200000" algn="tl" rotWithShape="0">
+              <a:srgbClr val="000000">
+                <a:alpha val="20000"/>
+              </a:srgbClr>
+            </a:outerShdw>
+          </a:effectLst>
+          <a:scene3d>
+            <a:camera prst="perspectiveRelaxed">
+              <a:rot lat="18960000" lon="0" rev="0"/>
+            </a:camera>
+            <a:lightRig rig="twoPt" dir="t">
+              <a:rot lat="0" lon="0" rev="7200000"/>
+            </a:lightRig>
+          </a:scene3d>
+          <a:sp3d prstMaterial="matte">
+            <a:bevelT w="22860" h="12700"/>
+            <a:contourClr>
+              <a:srgbClr val="FFFFFF"/>
+            </a:contourClr>
+          </a:sp3d>
+        </p:spPr>
+      </p:pic>
+      <p:pic>
+        <p:nvPicPr>
+          <p:cNvPr id="5" name="Picture 4" descr="points1.png"/>
+          <p:cNvPicPr>
+            <a:picLocks noChangeAspect="1"/>
+          </p:cNvPicPr>
+          <p:nvPr/>
+        </p:nvPicPr>
+        <p:blipFill>
+          <a:blip r:embed="rId4" cstate="print"/>
+          <a:stretch>
+            <a:fillRect/>
+          </a:stretch>
+        </p:blipFill>
+        <p:spPr>
+          <a:xfrm>
+            <a:off x="3886200" y="742950"/>
+            <a:ext cx="4527138" cy="2628349"/>
+          </a:xfrm>
+          <a:prstGeom prst="rect">
+            <a:avLst/>
+          </a:prstGeom>
+          <a:solidFill>
+            <a:srgbClr val="FFFFFF">
+              <a:shade val="85000"/>
+            </a:srgbClr>
+          </a:solidFill>
+          <a:ln w="101600" cap="sq">
+            <a:solidFill>
+              <a:srgbClr val="FDFDFD"/>
+            </a:solidFill>
+            <a:miter lim="800000"/>
+          </a:ln>
+          <a:effectLst>
+            <a:outerShdw blurRad="57150" dist="37500" dir="7560000" sy="98000" kx="110000" ky="200000" algn="tl" rotWithShape="0">
+              <a:srgbClr val="000000">
+                <a:alpha val="20000"/>
+              </a:srgbClr>
+            </a:outerShdw>
+          </a:effectLst>
+          <a:scene3d>
+            <a:camera prst="perspectiveRelaxed">
+              <a:rot lat="18960000" lon="0" rev="0"/>
+            </a:camera>
+            <a:lightRig rig="twoPt" dir="t">
+              <a:rot lat="0" lon="0" rev="7200000"/>
+            </a:lightRig>
+          </a:scene3d>
+          <a:sp3d prstMaterial="matte">
+            <a:bevelT w="22860" h="12700"/>
+            <a:contourClr>
+              <a:srgbClr val="FFFFFF"/>
+            </a:contourClr>
+          </a:sp3d>
+        </p:spPr>
+      </p:pic>
+      <p:pic>
+        <p:nvPicPr>
+          <p:cNvPr id="7" name="Picture 6" descr="tile.png"/>
+          <p:cNvPicPr>
+            <a:picLocks noChangeAspect="1"/>
+          </p:cNvPicPr>
+          <p:nvPr/>
+        </p:nvPicPr>
+        <p:blipFill>
+          <a:blip r:embed="rId5" cstate="print"/>
+          <a:stretch>
+            <a:fillRect/>
+          </a:stretch>
+        </p:blipFill>
+        <p:spPr>
+          <a:xfrm>
+            <a:off x="381000" y="1809750"/>
+            <a:ext cx="2914650" cy="2933700"/>
+          </a:xfrm>
+          <a:prstGeom prst="rect">
+            <a:avLst/>
+          </a:prstGeom>
+          <a:solidFill>
+            <a:srgbClr val="FFFFFF">
+              <a:shade val="85000"/>
+            </a:srgbClr>
+          </a:solidFill>
+          <a:ln w="101600" cap="sq">
+            <a:solidFill>
+              <a:srgbClr val="FDFDFD"/>
+            </a:solidFill>
+            <a:miter lim="800000"/>
+          </a:ln>
+          <a:effectLst>
+            <a:outerShdw blurRad="57150" dist="37500" dir="7560000" sy="98000" kx="110000" ky="200000" algn="tl" rotWithShape="0">
+              <a:srgbClr val="000000">
+                <a:alpha val="20000"/>
+              </a:srgbClr>
+            </a:outerShdw>
+          </a:effectLst>
+          <a:scene3d>
+            <a:camera prst="perspectiveRelaxed">
+              <a:rot lat="18960000" lon="0" rev="0"/>
+            </a:camera>
+            <a:lightRig rig="twoPt" dir="t">
+              <a:rot lat="0" lon="0" rev="7200000"/>
+            </a:lightRig>
+          </a:scene3d>
+          <a:sp3d prstMaterial="matte">
+            <a:bevelT w="22860" h="12700"/>
+            <a:contourClr>
+              <a:srgbClr val="FFFFFF"/>
+            </a:contourClr>
+          </a:sp3d>
+        </p:spPr>
+      </p:pic>
+      <p:pic>
+        <p:nvPicPr>
+          <p:cNvPr id="8" name="Picture 7" descr="tile.png"/>
+          <p:cNvPicPr>
+            <a:picLocks noChangeAspect="1"/>
+          </p:cNvPicPr>
+          <p:nvPr/>
+        </p:nvPicPr>
+        <p:blipFill>
+          <a:blip r:embed="rId5" cstate="print"/>
+          <a:stretch>
+            <a:fillRect/>
+          </a:stretch>
+        </p:blipFill>
+        <p:spPr>
+          <a:xfrm>
+            <a:off x="2895600" y="1581150"/>
+            <a:ext cx="2914650" cy="2933700"/>
+          </a:xfrm>
+          <a:prstGeom prst="rect">
+            <a:avLst/>
+          </a:prstGeom>
+          <a:solidFill>
+            <a:srgbClr val="FFFFFF">
+              <a:shade val="85000"/>
+            </a:srgbClr>
+          </a:solidFill>
+          <a:ln w="101600" cap="sq">
+            <a:solidFill>
+              <a:srgbClr val="FDFDFD"/>
+            </a:solidFill>
+            <a:miter lim="800000"/>
+          </a:ln>
+          <a:effectLst>
+            <a:outerShdw blurRad="57150" dist="37500" dir="7560000" sy="98000" kx="110000" ky="200000" algn="tl" rotWithShape="0">
+              <a:srgbClr val="000000">
+                <a:alpha val="20000"/>
+              </a:srgbClr>
+            </a:outerShdw>
+          </a:effectLst>
+          <a:scene3d>
+            <a:camera prst="perspectiveRelaxed">
+              <a:rot lat="18960000" lon="0" rev="0"/>
+            </a:camera>
+            <a:lightRig rig="twoPt" dir="t">
+              <a:rot lat="0" lon="0" rev="7200000"/>
+            </a:lightRig>
+          </a:scene3d>
+          <a:sp3d prstMaterial="matte">
+            <a:bevelT w="22860" h="12700"/>
+            <a:contourClr>
+              <a:srgbClr val="FFFFFF"/>
+            </a:contourClr>
+          </a:sp3d>
+        </p:spPr>
+      </p:pic>
+      <p:pic>
+        <p:nvPicPr>
+          <p:cNvPr id="9" name="Picture 8" descr="tile.png"/>
+          <p:cNvPicPr>
+            <a:picLocks noChangeAspect="1"/>
+          </p:cNvPicPr>
+          <p:nvPr/>
+        </p:nvPicPr>
+        <p:blipFill>
+          <a:blip r:embed="rId5" cstate="print"/>
+          <a:stretch>
+            <a:fillRect/>
+          </a:stretch>
+        </p:blipFill>
+        <p:spPr>
+          <a:xfrm>
+            <a:off x="5486400" y="1504950"/>
+            <a:ext cx="2914650" cy="2933700"/>
+          </a:xfrm>
+          <a:prstGeom prst="rect">
+            <a:avLst/>
+          </a:prstGeom>
+          <a:solidFill>
+            <a:srgbClr val="FFFFFF">
+              <a:shade val="85000"/>
+            </a:srgbClr>
+          </a:solidFill>
+          <a:ln w="101600" cap="sq">
+            <a:solidFill>
+              <a:srgbClr val="FDFDFD"/>
+            </a:solidFill>
+            <a:miter lim="800000"/>
+          </a:ln>
+          <a:effectLst>
+            <a:outerShdw blurRad="57150" dist="37500" dir="7560000" sy="98000" kx="110000" ky="200000" algn="tl" rotWithShape="0">
+              <a:srgbClr val="000000">
+                <a:alpha val="20000"/>
+              </a:srgbClr>
+            </a:outerShdw>
+          </a:effectLst>
+          <a:scene3d>
+            <a:camera prst="perspectiveRelaxed">
+              <a:rot lat="18960000" lon="0" rev="0"/>
+            </a:camera>
+            <a:lightRig rig="twoPt" dir="t">
+              <a:rot lat="0" lon="0" rev="7200000"/>
+            </a:lightRig>
+          </a:scene3d>
+          <a:sp3d prstMaterial="matte">
+            <a:bevelT w="22860" h="12700"/>
+            <a:contourClr>
+              <a:srgbClr val="FFFFFF"/>
+            </a:contourClr>
+          </a:sp3d>
+        </p:spPr>
+      </p:pic>
+    </p:spTree>
+  </p:cSld>
+  <p:clrMapOvr>
+    <a:masterClrMapping/>
+  </p:clrMapOvr>
+  <p:timing>
+    <p:tnLst>
+      <p:par>
+        <p:cTn id="1" dur="indefinite" restart="never" nodeType="tmRoot">
+          <p:childTnLst>
+            <p:seq concurrent="1" nextAc="seek">
+              <p:cTn id="2" dur="indefinite" nodeType="mainSeq">
+                <p:childTnLst>
+                  <p:par>
+                    <p:cTn id="3" fill="hold">
+                      <p:stCondLst>
+                        <p:cond delay="indefinite"/>
+                      </p:stCondLst>
+                      <p:childTnLst>
+                        <p:par>
+                          <p:cTn id="4" fill="hold">
+                            <p:stCondLst>
+                              <p:cond delay="0"/>
+                            </p:stCondLst>
+                            <p:childTnLst>
+                              <p:par>
+                                <p:cTn id="5" presetID="10" presetClass="entr" presetSubtype="0" fill="hold" nodeType="clickEffect">
+                                  <p:stCondLst>
+                                    <p:cond delay="0"/>
+                                  </p:stCondLst>
+                                  <p:childTnLst>
+                                    <p:set>
+                                      <p:cBhvr>
+                                        <p:cTn id="6" dur="1" fill="hold">
+                                          <p:stCondLst>
+                                            <p:cond delay="0"/>
+                                          </p:stCondLst>
+                                        </p:cTn>
+                                        <p:tgtEl>
+                                          <p:spTgt spid="6"/>
+                                        </p:tgtEl>
+                                        <p:attrNameLst>
+                                          <p:attrName>style.visibility</p:attrName>
+                                        </p:attrNameLst>
+                                      </p:cBhvr>
+                                      <p:to>
+                                        <p:strVal val="visible"/>
+                                      </p:to>
+                                    </p:set>
+                                    <p:animEffect transition="in" filter="fade">
+                                      <p:cBhvr>
+                                        <p:cTn id="7" dur="500"/>
+                                        <p:tgtEl>
+                                          <p:spTgt spid="6"/>
+                                        </p:tgtEl>
+                                      </p:cBhvr>
+                                    </p:animEffect>
+                                  </p:childTnLst>
+                                </p:cTn>
+                              </p:par>
+                            </p:childTnLst>
+                          </p:cTn>
+                        </p:par>
+                      </p:childTnLst>
+                    </p:cTn>
+                  </p:par>
+                  <p:par>
+                    <p:cTn id="8" fill="hold">
+                      <p:stCondLst>
+                        <p:cond delay="indefinite"/>
+                      </p:stCondLst>
+                      <p:childTnLst>
+                        <p:par>
+                          <p:cTn id="9" fill="hold">
+                            <p:stCondLst>
+                              <p:cond delay="0"/>
+                            </p:stCondLst>
+                            <p:childTnLst>
+                              <p:par>
+                                <p:cTn id="10" presetID="10" presetClass="entr" presetSubtype="0" fill="hold" nodeType="clickEffect">
+                                  <p:stCondLst>
+                                    <p:cond delay="0"/>
+                                  </p:stCondLst>
+                                  <p:childTnLst>
+                                    <p:set>
+                                      <p:cBhvr>
+                                        <p:cTn id="11" dur="1" fill="hold">
+                                          <p:stCondLst>
+                                            <p:cond delay="0"/>
+                                          </p:stCondLst>
+                                        </p:cTn>
+                                        <p:tgtEl>
+                                          <p:spTgt spid="3"/>
+                                        </p:tgtEl>
+                                        <p:attrNameLst>
+                                          <p:attrName>style.visibility</p:attrName>
+                                        </p:attrNameLst>
+                                      </p:cBhvr>
+                                      <p:to>
+                                        <p:strVal val="visible"/>
+                                      </p:to>
+                                    </p:set>
+                                    <p:animEffect transition="in" filter="fade">
+                                      <p:cBhvr>
+                                        <p:cTn id="12" dur="500"/>
+                                        <p:tgtEl>
+                                          <p:spTgt spid="3"/>
+                                        </p:tgtEl>
+                                      </p:cBhvr>
+                                    </p:animEffect>
+                                  </p:childTnLst>
+                                </p:cTn>
+                              </p:par>
+                            </p:childTnLst>
+                          </p:cTn>
+                        </p:par>
+                      </p:childTnLst>
+                    </p:cTn>
+                  </p:par>
+                  <p:par>
+                    <p:cTn id="13" fill="hold">
+                      <p:stCondLst>
+                        <p:cond delay="indefinite"/>
+                      </p:stCondLst>
+                      <p:childTnLst>
+                        <p:par>
+                          <p:cTn id="14" fill="hold">
+                            <p:stCondLst>
+                              <p:cond delay="0"/>
+                            </p:stCondLst>
+                            <p:childTnLst>
+                              <p:par>
+                                <p:cTn id="15" presetID="10" presetClass="entr" presetSubtype="0" fill="hold" nodeType="clickEffect">
+                                  <p:stCondLst>
+                                    <p:cond delay="0"/>
+                                  </p:stCondLst>
+                                  <p:childTnLst>
+                                    <p:set>
+                                      <p:cBhvr>
+                                        <p:cTn id="16" dur="1" fill="hold">
+                                          <p:stCondLst>
+                                            <p:cond delay="0"/>
+                                          </p:stCondLst>
+                                        </p:cTn>
+                                        <p:tgtEl>
+                                          <p:spTgt spid="5"/>
+                                        </p:tgtEl>
+                                        <p:attrNameLst>
+                                          <p:attrName>style.visibility</p:attrName>
+                                        </p:attrNameLst>
+                                      </p:cBhvr>
+                                      <p:to>
+                                        <p:strVal val="visible"/>
+                                      </p:to>
+                                    </p:set>
+                                    <p:animEffect transition="in" filter="fade">
+                                      <p:cBhvr>
+                                        <p:cTn id="17" dur="500"/>
+                                        <p:tgtEl>
+                                          <p:spTgt spid="5"/>
+                                        </p:tgtEl>
+                                      </p:cBhvr>
+                                    </p:animEffect>
+                                  </p:childTnLst>
+                                </p:cTn>
+                              </p:par>
+                            </p:childTnLst>
+                          </p:cTn>
+                        </p:par>
+                      </p:childTnLst>
+                    </p:cTn>
+                  </p:par>
+                  <p:par>
+                    <p:cTn id="18" fill="hold">
+                      <p:stCondLst>
+                        <p:cond delay="indefinite"/>
+                      </p:stCondLst>
+                      <p:childTnLst>
+                        <p:par>
+                          <p:cTn id="19" fill="hold">
+                            <p:stCondLst>
+                              <p:cond delay="0"/>
+                            </p:stCondLst>
+                            <p:childTnLst>
+                              <p:par>
+                                <p:cTn id="20" presetID="10" presetClass="entr" presetSubtype="0" fill="hold" nodeType="clickEffect">
+                                  <p:stCondLst>
+                                    <p:cond delay="0"/>
+                                  </p:stCondLst>
+                                  <p:childTnLst>
+                                    <p:set>
+                                      <p:cBhvr>
+                                        <p:cTn id="21" dur="1" fill="hold">
+                                          <p:stCondLst>
+                                            <p:cond delay="0"/>
+                                          </p:stCondLst>
+                                        </p:cTn>
+                                        <p:tgtEl>
+                                          <p:spTgt spid="7"/>
+                                        </p:tgtEl>
+                                        <p:attrNameLst>
+                                          <p:attrName>style.visibility</p:attrName>
+                                        </p:attrNameLst>
+                                      </p:cBhvr>
+                                      <p:to>
+                                        <p:strVal val="visible"/>
+                                      </p:to>
+                                    </p:set>
+                                    <p:animEffect transition="in" filter="fade">
+                                      <p:cBhvr>
+                                        <p:cTn id="22" dur="500"/>
+                                        <p:tgtEl>
+                                          <p:spTgt spid="7"/>
+                                        </p:tgtEl>
+                                      </p:cBhvr>
+                                    </p:animEffect>
+                                  </p:childTnLst>
+                                </p:cTn>
+                              </p:par>
+                              <p:par>
+                                <p:cTn id="23" presetID="10" presetClass="entr" presetSubtype="0" fill="hold" nodeType="withEffect">
+                                  <p:stCondLst>
+                                    <p:cond delay="0"/>
+                                  </p:stCondLst>
+                                  <p:childTnLst>
+                                    <p:set>
+                                      <p:cBhvr>
+                                        <p:cTn id="24" dur="1" fill="hold">
+                                          <p:stCondLst>
+                                            <p:cond delay="0"/>
+                                          </p:stCondLst>
+                                        </p:cTn>
+                                        <p:tgtEl>
+                                          <p:spTgt spid="8"/>
+                                        </p:tgtEl>
+                                        <p:attrNameLst>
+                                          <p:attrName>style.visibility</p:attrName>
+                                        </p:attrNameLst>
+                                      </p:cBhvr>
+                                      <p:to>
+                                        <p:strVal val="visible"/>
+                                      </p:to>
+                                    </p:set>
+                                    <p:animEffect transition="in" filter="fade">
+                                      <p:cBhvr>
+                                        <p:cTn id="25" dur="500"/>
+                                        <p:tgtEl>
+                                          <p:spTgt spid="8"/>
+                                        </p:tgtEl>
+                                      </p:cBhvr>
+                                    </p:animEffect>
+                                  </p:childTnLst>
+                                </p:cTn>
+                              </p:par>
+                              <p:par>
+                                <p:cTn id="26" presetID="10" presetClass="entr" presetSubtype="0" fill="hold" nodeType="withEffect">
+                                  <p:stCondLst>
+                                    <p:cond delay="0"/>
+                                  </p:stCondLst>
+                                  <p:childTnLst>
+                                    <p:set>
+                                      <p:cBhvr>
+                                        <p:cTn id="27" dur="1" fill="hold">
+                                          <p:stCondLst>
+                                            <p:cond delay="0"/>
+                                          </p:stCondLst>
+                                        </p:cTn>
+                                        <p:tgtEl>
+                                          <p:spTgt spid="9"/>
+                                        </p:tgtEl>
+                                        <p:attrNameLst>
+                                          <p:attrName>style.visibility</p:attrName>
+                                        </p:attrNameLst>
+                                      </p:cBhvr>
+                                      <p:to>
+                                        <p:strVal val="visible"/>
+                                      </p:to>
+                                    </p:set>
+                                    <p:animEffect transition="in" filter="fade">
+                                      <p:cBhvr>
+                                        <p:cTn id="28" dur="500"/>
+                                        <p:tgtEl>
+                                          <p:spTgt spid="9"/>
+                                        </p:tgtEl>
+                                      </p:cBhvr>
+                                    </p:animEffect>
+                                  </p:childTnLst>
+                                </p:cTn>
+                              </p:par>
+                            </p:childTnLst>
+                          </p:cTn>
+                        </p:par>
+                      </p:childTnLst>
+                    </p:cTn>
+                  </p:par>
+                </p:childTnLst>
+              </p:cTn>
+              <p:prevCondLst>
+                <p:cond evt="onPrev" delay="0">
+                  <p:tgtEl>
+                    <p:sldTgt/>
+                  </p:tgtEl>
+                </p:cond>
+              </p:prevCondLst>
+              <p:nextCondLst>
+                <p:cond evt="onNext" delay="0">
+                  <p:tgtEl>
+                    <p:sldTgt/>
+                  </p:tgtEl>
+                </p:cond>
+              </p:nextCondLst>
+            </p:seq>
+          </p:childTnLst>
+        </p:cTn>
+      </p:par>
+    </p:tnLst>
+  </p:timing>
+</p:sld>
+</file>
+
+<file path=ppt/slides/slide18.xml><?xml version="1.0" encoding="utf-8"?>
+<p:sld xmlns:a="http://schemas.openxmlformats.org/drawingml/2006/main" xmlns:r="http://schemas.openxmlformats.org/officeDocument/2006/relationships" xmlns:p="http://schemas.openxmlformats.org/presentationml/2006/main">
+  <p:cSld>
+    <p:bg>
+      <p:bgPr>
+        <a:solidFill>
+          <a:srgbClr val="780A68"/>
+        </a:solidFill>
+        <a:effectLst/>
+      </p:bgPr>
+    </p:bg>
     <p:spTree>
       <p:nvGrpSpPr>
         <p:cNvPr id="1" name=""/>
@@ -5310,103 +6026,43 @@
       </p:grpSpPr>
       <p:sp>
         <p:nvSpPr>
-          <p:cNvPr id="2" name="Title 1"/>
+          <p:cNvPr id="4" name="Content Placeholder 2"/>
           <p:cNvSpPr>
             <a:spLocks noGrp="1"/>
           </p:cNvSpPr>
           <p:nvPr>
-            <p:ph type="title"/>
+            <p:ph sz="half" idx="1"/>
           </p:nvPr>
         </p:nvSpPr>
-        <p:spPr/>
+        <p:spPr>
+          <a:xfrm>
+            <a:off x="3124200" y="1581150"/>
+            <a:ext cx="5562600" cy="3124199"/>
+          </a:xfrm>
+        </p:spPr>
         <p:txBody>
           <a:bodyPr>
-            <a:normAutofit/>
+            <a:noAutofit/>
           </a:bodyPr>
           <a:lstStyle/>
           <a:p>
             <a:r>
-              <a:rPr lang="en-US" sz="6000" dirty="0" smtClean="0"/>
-              <a:t>Let’s Make A Map!</a:t>
-            </a:r>
-            <a:endParaRPr lang="en-US" sz="6000" dirty="0"/>
-          </a:p>
-        </p:txBody>
-      </p:sp>
-    </p:spTree>
-  </p:cSld>
-  <p:clrMapOvr>
-    <a:masterClrMapping/>
-  </p:clrMapOvr>
-  <p:timing>
-    <p:tnLst>
-      <p:par>
-        <p:cTn id="1" dur="indefinite" restart="never" nodeType="tmRoot"/>
-      </p:par>
-    </p:tnLst>
-  </p:timing>
-</p:sld>
-</file>
-
-<file path=ppt/slides/slide18.xml><?xml version="1.0" encoding="utf-8"?>
-<p:sld xmlns:a="http://schemas.openxmlformats.org/drawingml/2006/main" xmlns:r="http://schemas.openxmlformats.org/officeDocument/2006/relationships" xmlns:p="http://schemas.openxmlformats.org/presentationml/2006/main">
-  <p:cSld>
-    <p:spTree>
-      <p:nvGrpSpPr>
-        <p:cNvPr id="1" name=""/>
-        <p:cNvGrpSpPr/>
-        <p:nvPr/>
-      </p:nvGrpSpPr>
-      <p:grpSpPr>
-        <a:xfrm>
-          <a:off x="0" y="0"/>
-          <a:ext cx="0" cy="0"/>
-          <a:chOff x="0" y="0"/>
-          <a:chExt cx="0" cy="0"/>
-        </a:xfrm>
-      </p:grpSpPr>
-      <p:sp>
-        <p:nvSpPr>
-          <p:cNvPr id="2" name="Title 1"/>
-          <p:cNvSpPr>
-            <a:spLocks noGrp="1"/>
-          </p:cNvSpPr>
-          <p:nvPr>
-            <p:ph type="title"/>
-          </p:nvPr>
-        </p:nvSpPr>
-        <p:spPr/>
-        <p:txBody>
-          <a:bodyPr/>
-          <a:lstStyle/>
-          <a:p>
-            <a:r>
-              <a:rPr lang="en-US" dirty="0" smtClean="0"/>
-              <a:t>Base Map</a:t>
-            </a:r>
-            <a:br>
-              <a:rPr lang="en-US" dirty="0" smtClean="0"/>
-            </a:br>
-            <a:r>
-              <a:rPr lang="en-US" dirty="0" smtClean="0"/>
-              <a:t/>
-            </a:r>
-            <a:br>
-              <a:rPr lang="en-US" dirty="0" smtClean="0"/>
-            </a:br>
-            <a:r>
-              <a:rPr lang="en-US" sz="4800" i="1" dirty="0" smtClean="0">
-                <a:solidFill>
-                  <a:srgbClr val="FF66CC"/>
-                </a:solidFill>
-              </a:rPr>
-              <a:t>mapbox.com</a:t>
-            </a:r>
-            <a:endParaRPr lang="en-US" i="1" dirty="0">
-              <a:solidFill>
-                <a:srgbClr val="FF66CC"/>
-              </a:solidFill>
-            </a:endParaRPr>
+              <a:rPr lang="en-US" sz="3600" dirty="0" smtClean="0"/>
+              <a:t>SVG</a:t>
+            </a:r>
+          </a:p>
+          <a:p>
+            <a:r>
+              <a:rPr lang="en-US" sz="3600" dirty="0" smtClean="0"/>
+              <a:t>Canvas</a:t>
+            </a:r>
+          </a:p>
+          <a:p>
+            <a:r>
+              <a:rPr lang="en-US" sz="3600" dirty="0" smtClean="0"/>
+              <a:t>Plain Images…</a:t>
+            </a:r>
+            <a:endParaRPr lang="en-US" sz="3600" dirty="0"/>
           </a:p>
         </p:txBody>
       </p:sp>
@@ -5428,6 +6084,14 @@
 <file path=ppt/slides/slide19.xml><?xml version="1.0" encoding="utf-8"?>
 <p:sld xmlns:a="http://schemas.openxmlformats.org/drawingml/2006/main" xmlns:r="http://schemas.openxmlformats.org/officeDocument/2006/relationships" xmlns:p="http://schemas.openxmlformats.org/presentationml/2006/main">
   <p:cSld>
+    <p:bg>
+      <p:bgPr>
+        <a:solidFill>
+          <a:srgbClr val="780A68"/>
+        </a:solidFill>
+        <a:effectLst/>
+      </p:bgPr>
+    </p:bg>
     <p:spTree>
       <p:nvGrpSpPr>
         <p:cNvPr id="1" name=""/>
@@ -5442,51 +6106,118 @@
           <a:chExt cx="0" cy="0"/>
         </a:xfrm>
       </p:grpSpPr>
-      <p:sp>
-        <p:nvSpPr>
-          <p:cNvPr id="2" name="Title 1"/>
-          <p:cNvSpPr>
-            <a:spLocks noGrp="1"/>
-          </p:cNvSpPr>
-          <p:nvPr>
-            <p:ph type="title"/>
-          </p:nvPr>
-        </p:nvSpPr>
-        <p:spPr/>
-        <p:txBody>
-          <a:bodyPr/>
-          <a:lstStyle/>
-          <a:p>
-            <a:r>
-              <a:rPr lang="en-US" dirty="0" smtClean="0"/>
-              <a:t>Hosting</a:t>
-            </a:r>
-            <a:br>
-              <a:rPr lang="en-US" dirty="0" smtClean="0"/>
-            </a:br>
-            <a:r>
-              <a:rPr lang="en-US" dirty="0"/>
-              <a:t/>
-            </a:r>
-            <a:br>
-              <a:rPr lang="en-US" dirty="0"/>
-            </a:br>
-            <a:r>
-              <a:rPr lang="en-US" sz="4800" i="1" dirty="0" smtClean="0">
-                <a:solidFill>
-                  <a:srgbClr val="FF66CC"/>
-                </a:solidFill>
-              </a:rPr>
-              <a:t>github.com</a:t>
-            </a:r>
-            <a:endParaRPr lang="en-US" i="1" dirty="0">
-              <a:solidFill>
-                <a:srgbClr val="FF66CC"/>
-              </a:solidFill>
-            </a:endParaRPr>
-          </a:p>
-        </p:txBody>
-      </p:sp>
+      <p:pic>
+        <p:nvPicPr>
+          <p:cNvPr id="6" name="Picture 5" descr="browser1.png"/>
+          <p:cNvPicPr>
+            <a:picLocks noChangeAspect="1"/>
+          </p:cNvPicPr>
+          <p:nvPr/>
+        </p:nvPicPr>
+        <p:blipFill>
+          <a:blip r:embed="rId2" cstate="print"/>
+          <a:stretch>
+            <a:fillRect/>
+          </a:stretch>
+        </p:blipFill>
+        <p:spPr>
+          <a:xfrm>
+            <a:off x="152400" y="0"/>
+            <a:ext cx="8859301" cy="5143500"/>
+          </a:xfrm>
+          <a:prstGeom prst="rect">
+            <a:avLst/>
+          </a:prstGeom>
+        </p:spPr>
+      </p:pic>
+      <p:pic>
+        <p:nvPicPr>
+          <p:cNvPr id="7" name="Picture 6" descr="browser2.png"/>
+          <p:cNvPicPr>
+            <a:picLocks noChangeAspect="1"/>
+          </p:cNvPicPr>
+          <p:nvPr/>
+        </p:nvPicPr>
+        <p:blipFill>
+          <a:blip r:embed="rId3" cstate="print"/>
+          <a:stretch>
+            <a:fillRect/>
+          </a:stretch>
+        </p:blipFill>
+        <p:spPr>
+          <a:xfrm>
+            <a:off x="152400" y="0"/>
+            <a:ext cx="8859301" cy="5143500"/>
+          </a:xfrm>
+          <a:prstGeom prst="rect">
+            <a:avLst/>
+          </a:prstGeom>
+        </p:spPr>
+      </p:pic>
+      <p:pic>
+        <p:nvPicPr>
+          <p:cNvPr id="1031" name="Picture 7"/>
+          <p:cNvPicPr>
+            <a:picLocks noChangeAspect="1" noChangeArrowheads="1"/>
+          </p:cNvPicPr>
+          <p:nvPr/>
+        </p:nvPicPr>
+        <p:blipFill>
+          <a:blip r:embed="rId4" cstate="print"/>
+          <a:srcRect/>
+          <a:stretch>
+            <a:fillRect/>
+          </a:stretch>
+        </p:blipFill>
+        <p:spPr bwMode="auto">
+          <a:xfrm>
+            <a:off x="381000" y="530976"/>
+            <a:ext cx="8413782" cy="4419600"/>
+          </a:xfrm>
+          <a:prstGeom prst="rect">
+            <a:avLst/>
+          </a:prstGeom>
+          <a:noFill/>
+          <a:ln w="9525">
+            <a:noFill/>
+            <a:miter lim="800000"/>
+            <a:headEnd/>
+            <a:tailEnd/>
+          </a:ln>
+        </p:spPr>
+      </p:pic>
+      <p:pic>
+        <p:nvPicPr>
+          <p:cNvPr id="1032" name="Picture 8"/>
+          <p:cNvPicPr>
+            <a:picLocks noChangeAspect="1" noChangeArrowheads="1"/>
+          </p:cNvPicPr>
+          <p:nvPr/>
+        </p:nvPicPr>
+        <p:blipFill>
+          <a:blip r:embed="rId5" cstate="print"/>
+          <a:srcRect/>
+          <a:stretch>
+            <a:fillRect/>
+          </a:stretch>
+        </p:blipFill>
+        <p:spPr bwMode="auto">
+          <a:xfrm>
+            <a:off x="381000" y="522663"/>
+            <a:ext cx="8405906" cy="4419600"/>
+          </a:xfrm>
+          <a:prstGeom prst="rect">
+            <a:avLst/>
+          </a:prstGeom>
+          <a:noFill/>
+          <a:ln w="9525">
+            <a:noFill/>
+            <a:miter lim="800000"/>
+            <a:headEnd/>
+            <a:tailEnd/>
+          </a:ln>
+        </p:spPr>
+      </p:pic>
     </p:spTree>
   </p:cSld>
   <p:clrMapOvr>
@@ -5495,7 +6226,189 @@
   <p:timing>
     <p:tnLst>
       <p:par>
-        <p:cTn id="1" dur="indefinite" restart="never" nodeType="tmRoot"/>
+        <p:cTn id="1" dur="indefinite" restart="never" nodeType="tmRoot">
+          <p:childTnLst>
+            <p:seq concurrent="1" nextAc="seek">
+              <p:cTn id="2" dur="indefinite" nodeType="mainSeq">
+                <p:childTnLst>
+                  <p:par>
+                    <p:cTn id="3" fill="hold">
+                      <p:stCondLst>
+                        <p:cond delay="indefinite"/>
+                      </p:stCondLst>
+                      <p:childTnLst>
+                        <p:par>
+                          <p:cTn id="4" fill="hold">
+                            <p:stCondLst>
+                              <p:cond delay="0"/>
+                            </p:stCondLst>
+                            <p:childTnLst>
+                              <p:par>
+                                <p:cTn id="5" presetID="22" presetClass="entr" presetSubtype="8" fill="hold" nodeType="clickEffect">
+                                  <p:stCondLst>
+                                    <p:cond delay="0"/>
+                                  </p:stCondLst>
+                                  <p:childTnLst>
+                                    <p:set>
+                                      <p:cBhvr>
+                                        <p:cTn id="6" dur="1" fill="hold">
+                                          <p:stCondLst>
+                                            <p:cond delay="0"/>
+                                          </p:stCondLst>
+                                        </p:cTn>
+                                        <p:tgtEl>
+                                          <p:spTgt spid="7"/>
+                                        </p:tgtEl>
+                                        <p:attrNameLst>
+                                          <p:attrName>style.visibility</p:attrName>
+                                        </p:attrNameLst>
+                                      </p:cBhvr>
+                                      <p:to>
+                                        <p:strVal val="visible"/>
+                                      </p:to>
+                                    </p:set>
+                                    <p:animEffect transition="in" filter="wipe(left)">
+                                      <p:cBhvr>
+                                        <p:cTn id="7" dur="500"/>
+                                        <p:tgtEl>
+                                          <p:spTgt spid="7"/>
+                                        </p:tgtEl>
+                                      </p:cBhvr>
+                                    </p:animEffect>
+                                  </p:childTnLst>
+                                </p:cTn>
+                              </p:par>
+                            </p:childTnLst>
+                          </p:cTn>
+                        </p:par>
+                      </p:childTnLst>
+                    </p:cTn>
+                  </p:par>
+                  <p:par>
+                    <p:cTn id="8" fill="hold">
+                      <p:stCondLst>
+                        <p:cond delay="indefinite"/>
+                      </p:stCondLst>
+                      <p:childTnLst>
+                        <p:par>
+                          <p:cTn id="9" fill="hold">
+                            <p:stCondLst>
+                              <p:cond delay="0"/>
+                            </p:stCondLst>
+                            <p:childTnLst>
+                              <p:par>
+                                <p:cTn id="10" presetID="10" presetClass="entr" presetSubtype="0" fill="hold" nodeType="clickEffect">
+                                  <p:stCondLst>
+                                    <p:cond delay="0"/>
+                                  </p:stCondLst>
+                                  <p:childTnLst>
+                                    <p:set>
+                                      <p:cBhvr>
+                                        <p:cTn id="11" dur="1" fill="hold">
+                                          <p:stCondLst>
+                                            <p:cond delay="0"/>
+                                          </p:stCondLst>
+                                        </p:cTn>
+                                        <p:tgtEl>
+                                          <p:spTgt spid="1031"/>
+                                        </p:tgtEl>
+                                        <p:attrNameLst>
+                                          <p:attrName>style.visibility</p:attrName>
+                                        </p:attrNameLst>
+                                      </p:cBhvr>
+                                      <p:to>
+                                        <p:strVal val="visible"/>
+                                      </p:to>
+                                    </p:set>
+                                    <p:animEffect transition="in" filter="fade">
+                                      <p:cBhvr>
+                                        <p:cTn id="12" dur="500"/>
+                                        <p:tgtEl>
+                                          <p:spTgt spid="1031"/>
+                                        </p:tgtEl>
+                                      </p:cBhvr>
+                                    </p:animEffect>
+                                  </p:childTnLst>
+                                </p:cTn>
+                              </p:par>
+                            </p:childTnLst>
+                          </p:cTn>
+                        </p:par>
+                      </p:childTnLst>
+                    </p:cTn>
+                  </p:par>
+                  <p:par>
+                    <p:cTn id="13" fill="hold">
+                      <p:stCondLst>
+                        <p:cond delay="indefinite"/>
+                      </p:stCondLst>
+                      <p:childTnLst>
+                        <p:par>
+                          <p:cTn id="14" fill="hold">
+                            <p:stCondLst>
+                              <p:cond delay="0"/>
+                            </p:stCondLst>
+                            <p:childTnLst>
+                              <p:par>
+                                <p:cTn id="15" presetID="10" presetClass="entr" presetSubtype="0" fill="hold" nodeType="clickEffect">
+                                  <p:stCondLst>
+                                    <p:cond delay="0"/>
+                                  </p:stCondLst>
+                                  <p:childTnLst>
+                                    <p:set>
+                                      <p:cBhvr>
+                                        <p:cTn id="16" dur="1" fill="hold">
+                                          <p:stCondLst>
+                                            <p:cond delay="0"/>
+                                          </p:stCondLst>
+                                        </p:cTn>
+                                        <p:tgtEl>
+                                          <p:spTgt spid="1032"/>
+                                        </p:tgtEl>
+                                        <p:attrNameLst>
+                                          <p:attrName>style.visibility</p:attrName>
+                                        </p:attrNameLst>
+                                      </p:cBhvr>
+                                      <p:to>
+                                        <p:strVal val="visible"/>
+                                      </p:to>
+                                    </p:set>
+                                    <p:animEffect transition="in" filter="fade">
+                                      <p:cBhvr>
+                                        <p:cTn id="17" dur="500"/>
+                                        <p:tgtEl>
+                                          <p:spTgt spid="1032"/>
+                                        </p:tgtEl>
+                                      </p:cBhvr>
+                                    </p:animEffect>
+                                  </p:childTnLst>
+                                </p:cTn>
+                              </p:par>
+                            </p:childTnLst>
+                          </p:cTn>
+                        </p:par>
+                      </p:childTnLst>
+                    </p:cTn>
+                  </p:par>
+                </p:childTnLst>
+              </p:cTn>
+              <p:prevCondLst>
+                <p:cond evt="onPrev" delay="0">
+                  <p:tgtEl>
+                    <p:sldTgt/>
+                  </p:tgtEl>
+                </p:cond>
+              </p:prevCondLst>
+              <p:nextCondLst>
+                <p:cond evt="onNext" delay="0">
+                  <p:tgtEl>
+                    <p:sldTgt/>
+                  </p:tgtEl>
+                </p:cond>
+              </p:nextCondLst>
+            </p:seq>
+          </p:childTnLst>
+        </p:cTn>
       </p:par>
     </p:tnLst>
   </p:timing>
@@ -5603,59 +6516,16 @@
         </p:nvSpPr>
         <p:spPr/>
         <p:txBody>
-          <a:bodyPr/>
+          <a:bodyPr>
+            <a:normAutofit/>
+          </a:bodyPr>
           <a:lstStyle/>
           <a:p>
             <a:r>
-              <a:rPr lang="en-US" dirty="0" smtClean="0"/>
-              <a:t>Data</a:t>
-            </a:r>
-            <a:br>
-              <a:rPr lang="en-US" dirty="0" smtClean="0"/>
-            </a:br>
-            <a:r>
-              <a:rPr lang="en-US" dirty="0"/>
-              <a:t/>
-            </a:r>
-            <a:br>
-              <a:rPr lang="en-US" dirty="0"/>
-            </a:br>
-            <a:r>
-              <a:rPr lang="en-US" sz="4800" i="1" dirty="0" smtClean="0">
-                <a:solidFill>
-                  <a:srgbClr val="FF66CC"/>
-                </a:solidFill>
-              </a:rPr>
-              <a:t>geojson.io</a:t>
-            </a:r>
-            <a:r>
-              <a:rPr lang="en-US" sz="4800" i="1" dirty="0">
-                <a:solidFill>
-                  <a:srgbClr val="FF66CC"/>
-                </a:solidFill>
-              </a:rPr>
-              <a:t/>
-            </a:r>
-            <a:br>
-              <a:rPr lang="en-US" sz="4800" i="1" dirty="0">
-                <a:solidFill>
-                  <a:srgbClr val="FF66CC"/>
-                </a:solidFill>
-              </a:rPr>
-            </a:br>
-            <a:r>
-              <a:rPr lang="en-US" sz="4800" i="1" dirty="0" smtClean="0">
-                <a:solidFill>
-                  <a:srgbClr val="FF66CC"/>
-                </a:solidFill>
-              </a:rPr>
-              <a:t>overpass-turbo.eu</a:t>
-            </a:r>
-            <a:endParaRPr lang="en-US" i="1" dirty="0">
-              <a:solidFill>
-                <a:srgbClr val="FF66CC"/>
-              </a:solidFill>
-            </a:endParaRPr>
+              <a:rPr lang="en-US" sz="6000" dirty="0" smtClean="0"/>
+              <a:t>Let’s Make A Map!</a:t>
+            </a:r>
+            <a:endParaRPr lang="en-US" sz="6000" dirty="0"/>
           </a:p>
         </p:txBody>
       </p:sp>
@@ -5701,29 +6571,24 @@
             <p:ph type="title"/>
           </p:nvPr>
         </p:nvSpPr>
-        <p:spPr>
-          <a:xfrm>
-            <a:off x="0" y="205978"/>
-            <a:ext cx="9144000" cy="4423171"/>
-          </a:xfrm>
-        </p:spPr>
+        <p:spPr/>
         <p:txBody>
           <a:bodyPr/>
           <a:lstStyle/>
           <a:p>
             <a:r>
               <a:rPr lang="en-US" dirty="0" smtClean="0"/>
-              <a:t>fork my repo</a:t>
+              <a:t>Base Map</a:t>
             </a:r>
             <a:br>
               <a:rPr lang="en-US" dirty="0" smtClean="0"/>
             </a:br>
             <a:r>
-              <a:rPr lang="en-US" dirty="0"/>
+              <a:rPr lang="en-US" dirty="0" smtClean="0"/>
               <a:t/>
             </a:r>
             <a:br>
-              <a:rPr lang="en-US" dirty="0"/>
+              <a:rPr lang="en-US" dirty="0" smtClean="0"/>
             </a:br>
             <a:r>
               <a:rPr lang="en-US" sz="4800" i="1" dirty="0" smtClean="0">
@@ -5731,7 +6596,7 @@
                   <a:srgbClr val="FF66CC"/>
                 </a:solidFill>
               </a:rPr>
-              <a:t>https://github.com/willbreitkreutz/web_mapping_workshop</a:t>
+              <a:t>mapbox.com</a:t>
             </a:r>
             <a:endParaRPr lang="en-US" i="1" dirty="0">
               <a:solidFill>
@@ -5783,6 +6648,265 @@
             <p:ph type="title"/>
           </p:nvPr>
         </p:nvSpPr>
+        <p:spPr/>
+        <p:txBody>
+          <a:bodyPr/>
+          <a:lstStyle/>
+          <a:p>
+            <a:r>
+              <a:rPr lang="en-US" dirty="0" smtClean="0"/>
+              <a:t>Hosting</a:t>
+            </a:r>
+            <a:br>
+              <a:rPr lang="en-US" dirty="0" smtClean="0"/>
+            </a:br>
+            <a:r>
+              <a:rPr lang="en-US" dirty="0"/>
+              <a:t/>
+            </a:r>
+            <a:br>
+              <a:rPr lang="en-US" dirty="0"/>
+            </a:br>
+            <a:r>
+              <a:rPr lang="en-US" sz="4800" i="1" dirty="0" smtClean="0">
+                <a:solidFill>
+                  <a:srgbClr val="FF66CC"/>
+                </a:solidFill>
+              </a:rPr>
+              <a:t>github.com</a:t>
+            </a:r>
+            <a:endParaRPr lang="en-US" i="1" dirty="0">
+              <a:solidFill>
+                <a:srgbClr val="FF66CC"/>
+              </a:solidFill>
+            </a:endParaRPr>
+          </a:p>
+        </p:txBody>
+      </p:sp>
+    </p:spTree>
+  </p:cSld>
+  <p:clrMapOvr>
+    <a:masterClrMapping/>
+  </p:clrMapOvr>
+  <p:timing>
+    <p:tnLst>
+      <p:par>
+        <p:cTn id="1" dur="indefinite" restart="never" nodeType="tmRoot"/>
+      </p:par>
+    </p:tnLst>
+  </p:timing>
+</p:sld>
+</file>
+
+<file path=ppt/slides/slide23.xml><?xml version="1.0" encoding="utf-8"?>
+<p:sld xmlns:a="http://schemas.openxmlformats.org/drawingml/2006/main" xmlns:r="http://schemas.openxmlformats.org/officeDocument/2006/relationships" xmlns:p="http://schemas.openxmlformats.org/presentationml/2006/main">
+  <p:cSld>
+    <p:spTree>
+      <p:nvGrpSpPr>
+        <p:cNvPr id="1" name=""/>
+        <p:cNvGrpSpPr/>
+        <p:nvPr/>
+      </p:nvGrpSpPr>
+      <p:grpSpPr>
+        <a:xfrm>
+          <a:off x="0" y="0"/>
+          <a:ext cx="0" cy="0"/>
+          <a:chOff x="0" y="0"/>
+          <a:chExt cx="0" cy="0"/>
+        </a:xfrm>
+      </p:grpSpPr>
+      <p:sp>
+        <p:nvSpPr>
+          <p:cNvPr id="2" name="Title 1"/>
+          <p:cNvSpPr>
+            <a:spLocks noGrp="1"/>
+          </p:cNvSpPr>
+          <p:nvPr>
+            <p:ph type="title"/>
+          </p:nvPr>
+        </p:nvSpPr>
+        <p:spPr/>
+        <p:txBody>
+          <a:bodyPr/>
+          <a:lstStyle/>
+          <a:p>
+            <a:r>
+              <a:rPr lang="en-US" dirty="0" smtClean="0"/>
+              <a:t>Data</a:t>
+            </a:r>
+            <a:br>
+              <a:rPr lang="en-US" dirty="0" smtClean="0"/>
+            </a:br>
+            <a:r>
+              <a:rPr lang="en-US" dirty="0"/>
+              <a:t/>
+            </a:r>
+            <a:br>
+              <a:rPr lang="en-US" dirty="0"/>
+            </a:br>
+            <a:r>
+              <a:rPr lang="en-US" sz="4800" i="1" dirty="0" smtClean="0">
+                <a:solidFill>
+                  <a:srgbClr val="FF66CC"/>
+                </a:solidFill>
+              </a:rPr>
+              <a:t>geojson.io</a:t>
+            </a:r>
+            <a:r>
+              <a:rPr lang="en-US" sz="4800" i="1" dirty="0">
+                <a:solidFill>
+                  <a:srgbClr val="FF66CC"/>
+                </a:solidFill>
+              </a:rPr>
+              <a:t/>
+            </a:r>
+            <a:br>
+              <a:rPr lang="en-US" sz="4800" i="1" dirty="0">
+                <a:solidFill>
+                  <a:srgbClr val="FF66CC"/>
+                </a:solidFill>
+              </a:rPr>
+            </a:br>
+            <a:r>
+              <a:rPr lang="en-US" sz="4800" i="1" dirty="0" smtClean="0">
+                <a:solidFill>
+                  <a:srgbClr val="FF66CC"/>
+                </a:solidFill>
+              </a:rPr>
+              <a:t>overpass-turbo.eu</a:t>
+            </a:r>
+            <a:endParaRPr lang="en-US" i="1" dirty="0">
+              <a:solidFill>
+                <a:srgbClr val="FF66CC"/>
+              </a:solidFill>
+            </a:endParaRPr>
+          </a:p>
+        </p:txBody>
+      </p:sp>
+    </p:spTree>
+  </p:cSld>
+  <p:clrMapOvr>
+    <a:masterClrMapping/>
+  </p:clrMapOvr>
+  <p:timing>
+    <p:tnLst>
+      <p:par>
+        <p:cTn id="1" dur="indefinite" restart="never" nodeType="tmRoot"/>
+      </p:par>
+    </p:tnLst>
+  </p:timing>
+</p:sld>
+</file>
+
+<file path=ppt/slides/slide24.xml><?xml version="1.0" encoding="utf-8"?>
+<p:sld xmlns:a="http://schemas.openxmlformats.org/drawingml/2006/main" xmlns:r="http://schemas.openxmlformats.org/officeDocument/2006/relationships" xmlns:p="http://schemas.openxmlformats.org/presentationml/2006/main">
+  <p:cSld>
+    <p:spTree>
+      <p:nvGrpSpPr>
+        <p:cNvPr id="1" name=""/>
+        <p:cNvGrpSpPr/>
+        <p:nvPr/>
+      </p:nvGrpSpPr>
+      <p:grpSpPr>
+        <a:xfrm>
+          <a:off x="0" y="0"/>
+          <a:ext cx="0" cy="0"/>
+          <a:chOff x="0" y="0"/>
+          <a:chExt cx="0" cy="0"/>
+        </a:xfrm>
+      </p:grpSpPr>
+      <p:sp>
+        <p:nvSpPr>
+          <p:cNvPr id="2" name="Title 1"/>
+          <p:cNvSpPr>
+            <a:spLocks noGrp="1"/>
+          </p:cNvSpPr>
+          <p:nvPr>
+            <p:ph type="title"/>
+          </p:nvPr>
+        </p:nvSpPr>
+        <p:spPr>
+          <a:xfrm>
+            <a:off x="0" y="205978"/>
+            <a:ext cx="9144000" cy="4423171"/>
+          </a:xfrm>
+        </p:spPr>
+        <p:txBody>
+          <a:bodyPr/>
+          <a:lstStyle/>
+          <a:p>
+            <a:r>
+              <a:rPr lang="en-US" dirty="0" smtClean="0"/>
+              <a:t>fork my repo</a:t>
+            </a:r>
+            <a:br>
+              <a:rPr lang="en-US" dirty="0" smtClean="0"/>
+            </a:br>
+            <a:r>
+              <a:rPr lang="en-US" dirty="0"/>
+              <a:t/>
+            </a:r>
+            <a:br>
+              <a:rPr lang="en-US" dirty="0"/>
+            </a:br>
+            <a:r>
+              <a:rPr lang="en-US" sz="4800" i="1" dirty="0" smtClean="0">
+                <a:solidFill>
+                  <a:srgbClr val="FF66CC"/>
+                </a:solidFill>
+              </a:rPr>
+              <a:t>https://github.com/willbreitkreutz/web_mapping_workshop</a:t>
+            </a:r>
+            <a:endParaRPr lang="en-US" i="1" dirty="0">
+              <a:solidFill>
+                <a:srgbClr val="FF66CC"/>
+              </a:solidFill>
+            </a:endParaRPr>
+          </a:p>
+        </p:txBody>
+      </p:sp>
+    </p:spTree>
+  </p:cSld>
+  <p:clrMapOvr>
+    <a:masterClrMapping/>
+  </p:clrMapOvr>
+  <p:timing>
+    <p:tnLst>
+      <p:par>
+        <p:cTn id="1" dur="indefinite" restart="never" nodeType="tmRoot"/>
+      </p:par>
+    </p:tnLst>
+  </p:timing>
+</p:sld>
+</file>
+
+<file path=ppt/slides/slide25.xml><?xml version="1.0" encoding="utf-8"?>
+<p:sld xmlns:a="http://schemas.openxmlformats.org/drawingml/2006/main" xmlns:r="http://schemas.openxmlformats.org/officeDocument/2006/relationships" xmlns:p="http://schemas.openxmlformats.org/presentationml/2006/main">
+  <p:cSld>
+    <p:spTree>
+      <p:nvGrpSpPr>
+        <p:cNvPr id="1" name=""/>
+        <p:cNvGrpSpPr/>
+        <p:nvPr/>
+      </p:nvGrpSpPr>
+      <p:grpSpPr>
+        <a:xfrm>
+          <a:off x="0" y="0"/>
+          <a:ext cx="0" cy="0"/>
+          <a:chOff x="0" y="0"/>
+          <a:chExt cx="0" cy="0"/>
+        </a:xfrm>
+      </p:grpSpPr>
+      <p:sp>
+        <p:nvSpPr>
+          <p:cNvPr id="2" name="Title 1"/>
+          <p:cNvSpPr>
+            <a:spLocks noGrp="1"/>
+          </p:cNvSpPr>
+          <p:nvPr>
+            <p:ph type="title"/>
+          </p:nvPr>
+        </p:nvSpPr>
         <p:spPr>
           <a:xfrm>
             <a:off x="1981200" y="742950"/>
@@ -5976,7 +7100,7 @@
 </p:sld>
 </file>
 
-<file path=ppt/slides/slide23.xml><?xml version="1.0" encoding="utf-8"?>
+<file path=ppt/slides/slide26.xml><?xml version="1.0" encoding="utf-8"?>
 <p:sld xmlns:a="http://schemas.openxmlformats.org/drawingml/2006/main" xmlns:r="http://schemas.openxmlformats.org/officeDocument/2006/relationships" xmlns:p="http://schemas.openxmlformats.org/presentationml/2006/main">
   <p:cSld>
     <p:spTree>
@@ -6581,7 +7705,7 @@
                   <a:srgbClr val="1AAEDC"/>
                 </a:solidFill>
               </a:rPr>
-              <a:t>or…</a:t>
+              <a:t>aka…</a:t>
             </a:r>
             <a:r>
               <a:rPr lang="en-US" dirty="0" smtClean="0"/>
@@ -8166,30 +9290,21 @@
                             </p:childTnLst>
                           </p:cTn>
                         </p:par>
-                      </p:childTnLst>
-                    </p:cTn>
-                  </p:par>
-                  <p:par>
-                    <p:cTn id="20" fill="hold">
-                      <p:stCondLst>
-                        <p:cond delay="indefinite"/>
-                      </p:stCondLst>
-                      <p:childTnLst>
                         <p:par>
-                          <p:cTn id="21" fill="hold">
+                          <p:cTn id="20" fill="hold">
                             <p:stCondLst>
-                              <p:cond delay="0"/>
+                              <p:cond delay="500"/>
                             </p:stCondLst>
                             <p:childTnLst>
                               <p:par>
-                                <p:cTn id="22" presetID="10" presetClass="entr" presetSubtype="0" fill="hold" grpId="0" nodeType="clickEffect">
+                                <p:cTn id="21" presetID="10" presetClass="entr" presetSubtype="0" fill="hold" grpId="0" nodeType="afterEffect">
                                   <p:stCondLst>
                                     <p:cond delay="0"/>
                                   </p:stCondLst>
                                   <p:childTnLst>
                                     <p:set>
                                       <p:cBhvr>
-                                        <p:cTn id="23" dur="1" fill="hold">
+                                        <p:cTn id="22" dur="1" fill="hold">
                                           <p:stCondLst>
                                             <p:cond delay="0"/>
                                           </p:stCondLst>
@@ -8207,7 +9322,7 @@
                                     </p:set>
                                     <p:animEffect transition="in" filter="fade">
                                       <p:cBhvr>
-                                        <p:cTn id="24" dur="500"/>
+                                        <p:cTn id="23" dur="500"/>
                                         <p:tgtEl>
                                           <p:spTgt spid="23"/>
                                         </p:tgtEl>

--- a/presentation/Introduction to Web Mapping.pptx
+++ b/presentation/Introduction to Web Mapping.pptx
@@ -10,27 +10,28 @@
     <p:sldId id="260" r:id="rId4"/>
     <p:sldId id="259" r:id="rId5"/>
     <p:sldId id="261" r:id="rId6"/>
-    <p:sldId id="262" r:id="rId7"/>
-    <p:sldId id="263" r:id="rId8"/>
-    <p:sldId id="264" r:id="rId9"/>
-    <p:sldId id="265" r:id="rId10"/>
-    <p:sldId id="266" r:id="rId11"/>
-    <p:sldId id="268" r:id="rId12"/>
-    <p:sldId id="269" r:id="rId13"/>
-    <p:sldId id="267" r:id="rId14"/>
-    <p:sldId id="270" r:id="rId15"/>
-    <p:sldId id="271" r:id="rId16"/>
-    <p:sldId id="273" r:id="rId17"/>
-    <p:sldId id="281" r:id="rId18"/>
-    <p:sldId id="282" r:id="rId19"/>
+    <p:sldId id="283" r:id="rId7"/>
+    <p:sldId id="262" r:id="rId8"/>
+    <p:sldId id="263" r:id="rId9"/>
+    <p:sldId id="264" r:id="rId10"/>
+    <p:sldId id="265" r:id="rId11"/>
+    <p:sldId id="266" r:id="rId12"/>
+    <p:sldId id="268" r:id="rId13"/>
+    <p:sldId id="269" r:id="rId14"/>
+    <p:sldId id="267" r:id="rId15"/>
+    <p:sldId id="270" r:id="rId16"/>
+    <p:sldId id="271" r:id="rId17"/>
+    <p:sldId id="273" r:id="rId18"/>
+    <p:sldId id="281" r:id="rId19"/>
     <p:sldId id="280" r:id="rId20"/>
     <p:sldId id="272" r:id="rId21"/>
     <p:sldId id="274" r:id="rId22"/>
     <p:sldId id="275" r:id="rId23"/>
     <p:sldId id="276" r:id="rId24"/>
-    <p:sldId id="277" r:id="rId25"/>
-    <p:sldId id="278" r:id="rId26"/>
-    <p:sldId id="279" r:id="rId27"/>
+    <p:sldId id="284" r:id="rId25"/>
+    <p:sldId id="277" r:id="rId26"/>
+    <p:sldId id="278" r:id="rId27"/>
+    <p:sldId id="279" r:id="rId28"/>
   </p:sldIdLst>
   <p:sldSz cx="9144000" cy="5143500" type="screen16x9"/>
   <p:notesSz cx="6858000" cy="9144000"/>
@@ -314,7 +315,7 @@
             <a:fld id="{D192356E-1989-45DF-9A8F-140A23C2747A}" type="datetimeFigureOut">
               <a:rPr lang="en-US" smtClean="0"/>
               <a:pPr/>
-              <a:t>2/18/2015</a:t>
+              <a:t>4/24/16</a:t>
             </a:fld>
             <a:endParaRPr lang="en-US"/>
           </a:p>
@@ -481,7 +482,7 @@
             <a:fld id="{D192356E-1989-45DF-9A8F-140A23C2747A}" type="datetimeFigureOut">
               <a:rPr lang="en-US" smtClean="0"/>
               <a:pPr/>
-              <a:t>2/18/2015</a:t>
+              <a:t>4/24/16</a:t>
             </a:fld>
             <a:endParaRPr lang="en-US"/>
           </a:p>
@@ -538,7 +539,7 @@
   <p:timing>
     <p:tnLst>
       <p:par>
-        <p:cTn id="1" dur="indefinite" restart="never" nodeType="tmRoot"/>
+        <p:cTn xmlns:p14="http://schemas.microsoft.com/office/powerpoint/2010/main" id="1" dur="indefinite" restart="never" nodeType="tmRoot"/>
       </p:par>
     </p:tnLst>
   </p:timing>
@@ -665,7 +666,7 @@
             <a:fld id="{D192356E-1989-45DF-9A8F-140A23C2747A}" type="datetimeFigureOut">
               <a:rPr lang="en-US" smtClean="0"/>
               <a:pPr/>
-              <a:t>2/18/2015</a:t>
+              <a:t>4/24/16</a:t>
             </a:fld>
             <a:endParaRPr lang="en-US"/>
           </a:p>
@@ -722,7 +723,7 @@
   <p:timing>
     <p:tnLst>
       <p:par>
-        <p:cTn id="1" dur="indefinite" restart="never" nodeType="tmRoot"/>
+        <p:cTn xmlns:p14="http://schemas.microsoft.com/office/powerpoint/2010/main" id="1" dur="indefinite" restart="never" nodeType="tmRoot"/>
       </p:par>
     </p:tnLst>
   </p:timing>
@@ -792,7 +793,7 @@
             <a:fld id="{D192356E-1989-45DF-9A8F-140A23C2747A}" type="datetimeFigureOut">
               <a:rPr lang="en-US" smtClean="0"/>
               <a:pPr/>
-              <a:t>2/18/2015</a:t>
+              <a:t>4/24/16</a:t>
             </a:fld>
             <a:endParaRPr lang="en-US"/>
           </a:p>
@@ -1035,7 +1036,7 @@
             <a:fld id="{D192356E-1989-45DF-9A8F-140A23C2747A}" type="datetimeFigureOut">
               <a:rPr lang="en-US" smtClean="0"/>
               <a:pPr/>
-              <a:t>2/18/2015</a:t>
+              <a:t>4/24/16</a:t>
             </a:fld>
             <a:endParaRPr lang="en-US"/>
           </a:p>
@@ -1235,7 +1236,7 @@
             <a:fld id="{D192356E-1989-45DF-9A8F-140A23C2747A}" type="datetimeFigureOut">
               <a:rPr lang="en-US" smtClean="0"/>
               <a:pPr/>
-              <a:t>2/18/2015</a:t>
+              <a:t>4/24/16</a:t>
             </a:fld>
             <a:endParaRPr lang="en-US"/>
           </a:p>
@@ -1292,7 +1293,7 @@
   <p:timing>
     <p:tnLst>
       <p:par>
-        <p:cTn id="1" dur="indefinite" restart="never" nodeType="tmRoot"/>
+        <p:cTn xmlns:p14="http://schemas.microsoft.com/office/powerpoint/2010/main" id="1" dur="indefinite" restart="never" nodeType="tmRoot"/>
       </p:par>
     </p:tnLst>
   </p:timing>
@@ -1666,7 +1667,7 @@
             <a:fld id="{D192356E-1989-45DF-9A8F-140A23C2747A}" type="datetimeFigureOut">
               <a:rPr lang="en-US" smtClean="0"/>
               <a:pPr/>
-              <a:t>2/18/2015</a:t>
+              <a:t>4/24/16</a:t>
             </a:fld>
             <a:endParaRPr lang="en-US"/>
           </a:p>
@@ -1723,7 +1724,7 @@
   <p:timing>
     <p:tnLst>
       <p:par>
-        <p:cTn id="1" dur="indefinite" restart="never" nodeType="tmRoot"/>
+        <p:cTn xmlns:p14="http://schemas.microsoft.com/office/powerpoint/2010/main" id="1" dur="indefinite" restart="never" nodeType="tmRoot"/>
       </p:par>
     </p:tnLst>
   </p:timing>
@@ -1788,7 +1789,7 @@
             <a:fld id="{D192356E-1989-45DF-9A8F-140A23C2747A}" type="datetimeFigureOut">
               <a:rPr lang="en-US" smtClean="0"/>
               <a:pPr/>
-              <a:t>2/18/2015</a:t>
+              <a:t>4/24/16</a:t>
             </a:fld>
             <a:endParaRPr lang="en-US"/>
           </a:p>
@@ -1880,7 +1881,7 @@
             <a:fld id="{D192356E-1989-45DF-9A8F-140A23C2747A}" type="datetimeFigureOut">
               <a:rPr lang="en-US" smtClean="0"/>
               <a:pPr/>
-              <a:t>2/18/2015</a:t>
+              <a:t>4/24/16</a:t>
             </a:fld>
             <a:endParaRPr lang="en-US"/>
           </a:p>
@@ -2154,7 +2155,7 @@
             <a:fld id="{D192356E-1989-45DF-9A8F-140A23C2747A}" type="datetimeFigureOut">
               <a:rPr lang="en-US" smtClean="0"/>
               <a:pPr/>
-              <a:t>2/18/2015</a:t>
+              <a:t>4/24/16</a:t>
             </a:fld>
             <a:endParaRPr lang="en-US"/>
           </a:p>
@@ -2211,7 +2212,7 @@
   <p:timing>
     <p:tnLst>
       <p:par>
-        <p:cTn id="1" dur="indefinite" restart="never" nodeType="tmRoot"/>
+        <p:cTn xmlns:p14="http://schemas.microsoft.com/office/powerpoint/2010/main" id="1" dur="indefinite" restart="never" nodeType="tmRoot"/>
       </p:par>
     </p:tnLst>
   </p:timing>
@@ -2411,7 +2412,7 @@
             <a:fld id="{D192356E-1989-45DF-9A8F-140A23C2747A}" type="datetimeFigureOut">
               <a:rPr lang="en-US" smtClean="0"/>
               <a:pPr/>
-              <a:t>2/18/2015</a:t>
+              <a:t>4/24/16</a:t>
             </a:fld>
             <a:endParaRPr lang="en-US"/>
           </a:p>
@@ -2624,7 +2625,7 @@
             <a:fld id="{D192356E-1989-45DF-9A8F-140A23C2747A}" type="datetimeFigureOut">
               <a:rPr lang="en-US" smtClean="0"/>
               <a:pPr/>
-              <a:t>2/18/2015</a:t>
+              <a:t>4/24/16</a:t>
             </a:fld>
             <a:endParaRPr lang="en-US"/>
           </a:p>
@@ -3075,7 +3076,7 @@
   <p:timing>
     <p:tnLst>
       <p:par>
-        <p:cTn id="1" dur="indefinite" restart="never" nodeType="tmRoot"/>
+        <p:cTn xmlns:p14="http://schemas.microsoft.com/office/powerpoint/2010/main" id="1" dur="indefinite" restart="never" nodeType="tmRoot"/>
       </p:par>
     </p:tnLst>
   </p:timing>
@@ -3083,6 +3084,1127 @@
 </file>
 
 <file path=ppt/slides/slide10.xml><?xml version="1.0" encoding="utf-8"?>
+<p:sld xmlns:a="http://schemas.openxmlformats.org/drawingml/2006/main" xmlns:r="http://schemas.openxmlformats.org/officeDocument/2006/relationships" xmlns:p="http://schemas.openxmlformats.org/presentationml/2006/main">
+  <p:cSld>
+    <p:bg>
+      <p:bgPr>
+        <a:solidFill>
+          <a:srgbClr val="780A68"/>
+        </a:solidFill>
+        <a:effectLst/>
+      </p:bgPr>
+    </p:bg>
+    <p:spTree>
+      <p:nvGrpSpPr>
+        <p:cNvPr id="1" name=""/>
+        <p:cNvGrpSpPr/>
+        <p:nvPr/>
+      </p:nvGrpSpPr>
+      <p:grpSpPr>
+        <a:xfrm>
+          <a:off x="0" y="0"/>
+          <a:ext cx="0" cy="0"/>
+          <a:chOff x="0" y="0"/>
+          <a:chExt cx="0" cy="0"/>
+        </a:xfrm>
+      </p:grpSpPr>
+      <p:sp>
+        <p:nvSpPr>
+          <p:cNvPr id="2" name="Title 1"/>
+          <p:cNvSpPr>
+            <a:spLocks noGrp="1"/>
+          </p:cNvSpPr>
+          <p:nvPr>
+            <p:ph type="title"/>
+          </p:nvPr>
+        </p:nvSpPr>
+        <p:spPr>
+          <a:xfrm>
+            <a:off x="457200" y="205979"/>
+            <a:ext cx="3429000" cy="2441971"/>
+          </a:xfrm>
+        </p:spPr>
+        <p:txBody>
+          <a:bodyPr/>
+          <a:lstStyle/>
+          <a:p>
+            <a:r>
+              <a:rPr lang="en-US" dirty="0" smtClean="0"/>
+              <a:t>Tiles…</a:t>
+            </a:r>
+            <a:endParaRPr lang="en-US" dirty="0"/>
+          </a:p>
+        </p:txBody>
+      </p:sp>
+      <p:pic>
+        <p:nvPicPr>
+          <p:cNvPr id="1026" name="Picture 2" descr="https://a.tiles.mapbox.com/v4/examples.map-i86l3621/0/0/0.png?access_token=pk.eyJ1IjoidHJpc3RlbiIsImEiOiJuZ2E5MG5BIn0.39lpfFC5Nxyqck1qbTNquQ"/>
+          <p:cNvPicPr>
+            <a:picLocks noChangeAspect="1" noChangeArrowheads="1"/>
+          </p:cNvPicPr>
+          <p:nvPr/>
+        </p:nvPicPr>
+        <p:blipFill>
+          <a:blip r:embed="rId2" cstate="print"/>
+          <a:srcRect/>
+          <a:stretch>
+            <a:fillRect/>
+          </a:stretch>
+        </p:blipFill>
+        <p:spPr bwMode="auto">
+          <a:xfrm>
+            <a:off x="4343400" y="895350"/>
+            <a:ext cx="3429000" cy="3429002"/>
+          </a:xfrm>
+          <a:prstGeom prst="rect">
+            <a:avLst/>
+          </a:prstGeom>
+          <a:noFill/>
+        </p:spPr>
+      </p:pic>
+      <p:sp>
+        <p:nvSpPr>
+          <p:cNvPr id="11" name="TextBox 10"/>
+          <p:cNvSpPr txBox="1"/>
+          <p:nvPr/>
+        </p:nvSpPr>
+        <p:spPr>
+          <a:xfrm>
+            <a:off x="5690286" y="468352"/>
+            <a:ext cx="813684" cy="369332"/>
+          </a:xfrm>
+          <a:prstGeom prst="rect">
+            <a:avLst/>
+          </a:prstGeom>
+          <a:noFill/>
+        </p:spPr>
+        <p:txBody>
+          <a:bodyPr wrap="none" rtlCol="0">
+            <a:spAutoFit/>
+          </a:bodyPr>
+          <a:lstStyle/>
+          <a:p>
+            <a:r>
+              <a:rPr lang="en-US" b="1" dirty="0" smtClean="0">
+                <a:solidFill>
+                  <a:schemeClr val="bg1"/>
+                </a:solidFill>
+                <a:effectLst>
+                  <a:outerShdw blurRad="38100" dist="38100" dir="2700000" algn="tl">
+                    <a:srgbClr val="000000">
+                      <a:alpha val="43137"/>
+                    </a:srgbClr>
+                  </a:outerShdw>
+                </a:effectLst>
+              </a:rPr>
+              <a:t>256 </a:t>
+            </a:r>
+            <a:r>
+              <a:rPr lang="en-US" b="1" dirty="0" err="1" smtClean="0">
+                <a:solidFill>
+                  <a:schemeClr val="bg1"/>
+                </a:solidFill>
+                <a:effectLst>
+                  <a:outerShdw blurRad="38100" dist="38100" dir="2700000" algn="tl">
+                    <a:srgbClr val="000000">
+                      <a:alpha val="43137"/>
+                    </a:srgbClr>
+                  </a:outerShdw>
+                </a:effectLst>
+              </a:rPr>
+              <a:t>px</a:t>
+            </a:r>
+            <a:endParaRPr lang="en-US" b="1" dirty="0">
+              <a:solidFill>
+                <a:schemeClr val="bg1"/>
+              </a:solidFill>
+              <a:effectLst>
+                <a:outerShdw blurRad="38100" dist="38100" dir="2700000" algn="tl">
+                  <a:srgbClr val="000000">
+                    <a:alpha val="43137"/>
+                  </a:srgbClr>
+                </a:outerShdw>
+              </a:effectLst>
+            </a:endParaRPr>
+          </a:p>
+        </p:txBody>
+      </p:sp>
+      <p:sp>
+        <p:nvSpPr>
+          <p:cNvPr id="12" name="TextBox 11"/>
+          <p:cNvSpPr txBox="1"/>
+          <p:nvPr/>
+        </p:nvSpPr>
+        <p:spPr>
+          <a:xfrm rot="5400000">
+            <a:off x="7626424" y="2489126"/>
+            <a:ext cx="813684" cy="369332"/>
+          </a:xfrm>
+          <a:prstGeom prst="rect">
+            <a:avLst/>
+          </a:prstGeom>
+          <a:noFill/>
+        </p:spPr>
+        <p:txBody>
+          <a:bodyPr wrap="none" rtlCol="0">
+            <a:spAutoFit/>
+          </a:bodyPr>
+          <a:lstStyle/>
+          <a:p>
+            <a:r>
+              <a:rPr lang="en-US" b="1" dirty="0" smtClean="0">
+                <a:solidFill>
+                  <a:schemeClr val="bg1"/>
+                </a:solidFill>
+                <a:effectLst>
+                  <a:outerShdw blurRad="38100" dist="38100" dir="2700000" algn="tl">
+                    <a:srgbClr val="000000">
+                      <a:alpha val="43137"/>
+                    </a:srgbClr>
+                  </a:outerShdw>
+                </a:effectLst>
+              </a:rPr>
+              <a:t>256 </a:t>
+            </a:r>
+            <a:r>
+              <a:rPr lang="en-US" b="1" dirty="0" err="1" smtClean="0">
+                <a:solidFill>
+                  <a:schemeClr val="bg1"/>
+                </a:solidFill>
+                <a:effectLst>
+                  <a:outerShdw blurRad="38100" dist="38100" dir="2700000" algn="tl">
+                    <a:srgbClr val="000000">
+                      <a:alpha val="43137"/>
+                    </a:srgbClr>
+                  </a:outerShdw>
+                </a:effectLst>
+              </a:rPr>
+              <a:t>px</a:t>
+            </a:r>
+            <a:endParaRPr lang="en-US" b="1" dirty="0">
+              <a:solidFill>
+                <a:schemeClr val="bg1"/>
+              </a:solidFill>
+              <a:effectLst>
+                <a:outerShdw blurRad="38100" dist="38100" dir="2700000" algn="tl">
+                  <a:srgbClr val="000000">
+                    <a:alpha val="43137"/>
+                  </a:srgbClr>
+                </a:outerShdw>
+              </a:effectLst>
+            </a:endParaRPr>
+          </a:p>
+        </p:txBody>
+      </p:sp>
+      <p:cxnSp>
+        <p:nvCxnSpPr>
+          <p:cNvPr id="13" name="Straight Connector 12"/>
+          <p:cNvCxnSpPr/>
+          <p:nvPr/>
+        </p:nvCxnSpPr>
+        <p:spPr>
+          <a:xfrm>
+            <a:off x="6553200" y="666750"/>
+            <a:ext cx="1219200" cy="0"/>
+          </a:xfrm>
+          <a:prstGeom prst="line">
+            <a:avLst/>
+          </a:prstGeom>
+          <a:ln>
+            <a:solidFill>
+              <a:schemeClr val="bg1"/>
+            </a:solidFill>
+          </a:ln>
+        </p:spPr>
+        <p:style>
+          <a:lnRef idx="3">
+            <a:schemeClr val="accent6"/>
+          </a:lnRef>
+          <a:fillRef idx="0">
+            <a:schemeClr val="accent6"/>
+          </a:fillRef>
+          <a:effectRef idx="2">
+            <a:schemeClr val="accent6"/>
+          </a:effectRef>
+          <a:fontRef idx="minor">
+            <a:schemeClr val="tx1"/>
+          </a:fontRef>
+        </p:style>
+      </p:cxnSp>
+      <p:cxnSp>
+        <p:nvCxnSpPr>
+          <p:cNvPr id="15" name="Straight Connector 14"/>
+          <p:cNvCxnSpPr/>
+          <p:nvPr/>
+        </p:nvCxnSpPr>
+        <p:spPr>
+          <a:xfrm>
+            <a:off x="4343400" y="666750"/>
+            <a:ext cx="1219200" cy="0"/>
+          </a:xfrm>
+          <a:prstGeom prst="line">
+            <a:avLst/>
+          </a:prstGeom>
+          <a:ln>
+            <a:solidFill>
+              <a:schemeClr val="bg1"/>
+            </a:solidFill>
+          </a:ln>
+        </p:spPr>
+        <p:style>
+          <a:lnRef idx="3">
+            <a:schemeClr val="accent6"/>
+          </a:lnRef>
+          <a:fillRef idx="0">
+            <a:schemeClr val="accent6"/>
+          </a:fillRef>
+          <a:effectRef idx="2">
+            <a:schemeClr val="accent6"/>
+          </a:effectRef>
+          <a:fontRef idx="minor">
+            <a:schemeClr val="tx1"/>
+          </a:fontRef>
+        </p:style>
+      </p:cxnSp>
+      <p:cxnSp>
+        <p:nvCxnSpPr>
+          <p:cNvPr id="5" name="Straight Connector 4"/>
+          <p:cNvCxnSpPr/>
+          <p:nvPr/>
+        </p:nvCxnSpPr>
+        <p:spPr>
+          <a:xfrm flipV="1">
+            <a:off x="4343400" y="514350"/>
+            <a:ext cx="0" cy="304800"/>
+          </a:xfrm>
+          <a:prstGeom prst="line">
+            <a:avLst/>
+          </a:prstGeom>
+          <a:ln>
+            <a:solidFill>
+              <a:schemeClr val="bg1"/>
+            </a:solidFill>
+          </a:ln>
+        </p:spPr>
+        <p:style>
+          <a:lnRef idx="3">
+            <a:schemeClr val="accent6"/>
+          </a:lnRef>
+          <a:fillRef idx="0">
+            <a:schemeClr val="accent6"/>
+          </a:fillRef>
+          <a:effectRef idx="2">
+            <a:schemeClr val="accent6"/>
+          </a:effectRef>
+          <a:fontRef idx="minor">
+            <a:schemeClr val="tx1"/>
+          </a:fontRef>
+        </p:style>
+      </p:cxnSp>
+      <p:cxnSp>
+        <p:nvCxnSpPr>
+          <p:cNvPr id="6" name="Straight Connector 5"/>
+          <p:cNvCxnSpPr/>
+          <p:nvPr/>
+        </p:nvCxnSpPr>
+        <p:spPr>
+          <a:xfrm flipV="1">
+            <a:off x="7772400" y="514350"/>
+            <a:ext cx="0" cy="304800"/>
+          </a:xfrm>
+          <a:prstGeom prst="line">
+            <a:avLst/>
+          </a:prstGeom>
+          <a:ln>
+            <a:solidFill>
+              <a:schemeClr val="bg1"/>
+            </a:solidFill>
+          </a:ln>
+        </p:spPr>
+        <p:style>
+          <a:lnRef idx="3">
+            <a:schemeClr val="accent6"/>
+          </a:lnRef>
+          <a:fillRef idx="0">
+            <a:schemeClr val="accent6"/>
+          </a:fillRef>
+          <a:effectRef idx="2">
+            <a:schemeClr val="accent6"/>
+          </a:effectRef>
+          <a:fontRef idx="minor">
+            <a:schemeClr val="tx1"/>
+          </a:fontRef>
+        </p:style>
+      </p:cxnSp>
+      <p:cxnSp>
+        <p:nvCxnSpPr>
+          <p:cNvPr id="19" name="Straight Connector 18"/>
+          <p:cNvCxnSpPr/>
+          <p:nvPr/>
+        </p:nvCxnSpPr>
+        <p:spPr>
+          <a:xfrm flipV="1">
+            <a:off x="8001000" y="895350"/>
+            <a:ext cx="0" cy="1295400"/>
+          </a:xfrm>
+          <a:prstGeom prst="line">
+            <a:avLst/>
+          </a:prstGeom>
+          <a:ln>
+            <a:solidFill>
+              <a:schemeClr val="bg1"/>
+            </a:solidFill>
+          </a:ln>
+        </p:spPr>
+        <p:style>
+          <a:lnRef idx="3">
+            <a:schemeClr val="accent6"/>
+          </a:lnRef>
+          <a:fillRef idx="0">
+            <a:schemeClr val="accent6"/>
+          </a:fillRef>
+          <a:effectRef idx="2">
+            <a:schemeClr val="accent6"/>
+          </a:effectRef>
+          <a:fontRef idx="minor">
+            <a:schemeClr val="tx1"/>
+          </a:fontRef>
+        </p:style>
+      </p:cxnSp>
+      <p:cxnSp>
+        <p:nvCxnSpPr>
+          <p:cNvPr id="20" name="Straight Connector 19"/>
+          <p:cNvCxnSpPr/>
+          <p:nvPr/>
+        </p:nvCxnSpPr>
+        <p:spPr>
+          <a:xfrm flipV="1">
+            <a:off x="8001000" y="3105150"/>
+            <a:ext cx="0" cy="1219200"/>
+          </a:xfrm>
+          <a:prstGeom prst="line">
+            <a:avLst/>
+          </a:prstGeom>
+          <a:ln>
+            <a:solidFill>
+              <a:schemeClr val="bg1"/>
+            </a:solidFill>
+          </a:ln>
+        </p:spPr>
+        <p:style>
+          <a:lnRef idx="3">
+            <a:schemeClr val="accent6"/>
+          </a:lnRef>
+          <a:fillRef idx="0">
+            <a:schemeClr val="accent6"/>
+          </a:fillRef>
+          <a:effectRef idx="2">
+            <a:schemeClr val="accent6"/>
+          </a:effectRef>
+          <a:fontRef idx="minor">
+            <a:schemeClr val="tx1"/>
+          </a:fontRef>
+        </p:style>
+      </p:cxnSp>
+      <p:cxnSp>
+        <p:nvCxnSpPr>
+          <p:cNvPr id="7" name="Straight Connector 6"/>
+          <p:cNvCxnSpPr/>
+          <p:nvPr/>
+        </p:nvCxnSpPr>
+        <p:spPr>
+          <a:xfrm>
+            <a:off x="7848600" y="895350"/>
+            <a:ext cx="304800" cy="0"/>
+          </a:xfrm>
+          <a:prstGeom prst="line">
+            <a:avLst/>
+          </a:prstGeom>
+          <a:ln>
+            <a:solidFill>
+              <a:schemeClr val="bg1"/>
+            </a:solidFill>
+          </a:ln>
+        </p:spPr>
+        <p:style>
+          <a:lnRef idx="3">
+            <a:schemeClr val="accent6"/>
+          </a:lnRef>
+          <a:fillRef idx="0">
+            <a:schemeClr val="accent6"/>
+          </a:fillRef>
+          <a:effectRef idx="2">
+            <a:schemeClr val="accent6"/>
+          </a:effectRef>
+          <a:fontRef idx="minor">
+            <a:schemeClr val="tx1"/>
+          </a:fontRef>
+        </p:style>
+      </p:cxnSp>
+      <p:cxnSp>
+        <p:nvCxnSpPr>
+          <p:cNvPr id="10" name="Straight Connector 9"/>
+          <p:cNvCxnSpPr/>
+          <p:nvPr/>
+        </p:nvCxnSpPr>
+        <p:spPr>
+          <a:xfrm>
+            <a:off x="7848600" y="4324350"/>
+            <a:ext cx="304800" cy="0"/>
+          </a:xfrm>
+          <a:prstGeom prst="line">
+            <a:avLst/>
+          </a:prstGeom>
+          <a:ln>
+            <a:solidFill>
+              <a:schemeClr val="bg1"/>
+            </a:solidFill>
+          </a:ln>
+        </p:spPr>
+        <p:style>
+          <a:lnRef idx="3">
+            <a:schemeClr val="accent6"/>
+          </a:lnRef>
+          <a:fillRef idx="0">
+            <a:schemeClr val="accent6"/>
+          </a:fillRef>
+          <a:effectRef idx="2">
+            <a:schemeClr val="accent6"/>
+          </a:effectRef>
+          <a:fontRef idx="minor">
+            <a:schemeClr val="tx1"/>
+          </a:fontRef>
+        </p:style>
+      </p:cxnSp>
+      <p:sp>
+        <p:nvSpPr>
+          <p:cNvPr id="21" name="Title 1"/>
+          <p:cNvSpPr txBox="1">
+            <a:spLocks/>
+          </p:cNvSpPr>
+          <p:nvPr/>
+        </p:nvSpPr>
+        <p:spPr>
+          <a:xfrm>
+            <a:off x="2209800" y="971550"/>
+            <a:ext cx="3429000" cy="2441971"/>
+          </a:xfrm>
+          <a:prstGeom prst="rect">
+            <a:avLst/>
+          </a:prstGeom>
+        </p:spPr>
+        <p:txBody>
+          <a:bodyPr vert="horz" lIns="91440" tIns="45720" rIns="91440" bIns="45720" rtlCol="0" anchor="ctr">
+            <a:normAutofit/>
+          </a:bodyPr>
+          <a:lstStyle/>
+          <a:p>
+            <a:pPr marL="0" marR="0" lvl="0" indent="0" algn="ctr" defTabSz="914400" rtl="0" eaLnBrk="1" fontAlgn="auto" latinLnBrk="0" hangingPunct="1">
+              <a:lnSpc>
+                <a:spcPct val="100000"/>
+              </a:lnSpc>
+              <a:spcBef>
+                <a:spcPct val="0"/>
+              </a:spcBef>
+              <a:spcAft>
+                <a:spcPts val="0"/>
+              </a:spcAft>
+              <a:buClrTx/>
+              <a:buSzTx/>
+              <a:buFontTx/>
+              <a:buNone/>
+              <a:tabLst/>
+              <a:defRPr/>
+            </a:pPr>
+            <a:r>
+              <a:rPr kumimoji="0" lang="en-US" sz="4400" b="1" i="0" u="none" strike="noStrike" kern="1200" cap="none" spc="0" normalizeH="0" baseline="0" noProof="0" dirty="0" smtClean="0">
+                <a:ln>
+                  <a:noFill/>
+                </a:ln>
+                <a:solidFill>
+                  <a:schemeClr val="bg1"/>
+                </a:solidFill>
+                <a:effectLst>
+                  <a:outerShdw blurRad="38100" dist="38100" dir="2700000" algn="tl">
+                    <a:srgbClr val="000000">
+                      <a:alpha val="43137"/>
+                    </a:srgbClr>
+                  </a:outerShdw>
+                </a:effectLst>
+                <a:uLnTx/>
+                <a:uFillTx/>
+                <a:latin typeface="+mj-lt"/>
+                <a:ea typeface="+mj-ea"/>
+                <a:cs typeface="+mj-cs"/>
+              </a:rPr>
+              <a:t>z0</a:t>
+            </a:r>
+          </a:p>
+        </p:txBody>
+      </p:sp>
+      <p:sp>
+        <p:nvSpPr>
+          <p:cNvPr id="22" name="Title 1"/>
+          <p:cNvSpPr txBox="1">
+            <a:spLocks/>
+          </p:cNvSpPr>
+          <p:nvPr/>
+        </p:nvSpPr>
+        <p:spPr>
+          <a:xfrm>
+            <a:off x="1524000" y="1809750"/>
+            <a:ext cx="3429000" cy="2441971"/>
+          </a:xfrm>
+          <a:prstGeom prst="rect">
+            <a:avLst/>
+          </a:prstGeom>
+        </p:spPr>
+        <p:txBody>
+          <a:bodyPr vert="horz" lIns="91440" tIns="45720" rIns="91440" bIns="45720" rtlCol="0" anchor="ctr">
+            <a:normAutofit/>
+          </a:bodyPr>
+          <a:lstStyle/>
+          <a:p>
+            <a:pPr marL="0" marR="0" lvl="0" indent="0" algn="ctr" defTabSz="914400" rtl="0" eaLnBrk="1" fontAlgn="auto" latinLnBrk="0" hangingPunct="1">
+              <a:lnSpc>
+                <a:spcPct val="100000"/>
+              </a:lnSpc>
+              <a:spcBef>
+                <a:spcPct val="0"/>
+              </a:spcBef>
+              <a:spcAft>
+                <a:spcPts val="0"/>
+              </a:spcAft>
+              <a:buClrTx/>
+              <a:buSzTx/>
+              <a:buFontTx/>
+              <a:buNone/>
+              <a:tabLst/>
+              <a:defRPr/>
+            </a:pPr>
+            <a:r>
+              <a:rPr kumimoji="0" lang="en-US" sz="4400" b="1" i="0" u="none" strike="noStrike" kern="1200" cap="none" spc="0" normalizeH="0" baseline="0" noProof="0" dirty="0" smtClean="0">
+                <a:ln>
+                  <a:noFill/>
+                </a:ln>
+                <a:solidFill>
+                  <a:schemeClr val="bg1"/>
+                </a:solidFill>
+                <a:effectLst>
+                  <a:outerShdw blurRad="38100" dist="38100" dir="2700000" algn="tl">
+                    <a:srgbClr val="000000">
+                      <a:alpha val="43137"/>
+                    </a:srgbClr>
+                  </a:outerShdw>
+                </a:effectLst>
+                <a:uLnTx/>
+                <a:uFillTx/>
+                <a:latin typeface="+mj-lt"/>
+                <a:ea typeface="+mj-ea"/>
+                <a:cs typeface="+mj-cs"/>
+              </a:rPr>
+              <a:t>z1</a:t>
+            </a:r>
+          </a:p>
+        </p:txBody>
+      </p:sp>
+      <p:pic>
+        <p:nvPicPr>
+          <p:cNvPr id="14" name="Picture 13" descr="0.png"/>
+          <p:cNvPicPr>
+            <a:picLocks noChangeAspect="1"/>
+          </p:cNvPicPr>
+          <p:nvPr/>
+        </p:nvPicPr>
+        <p:blipFill>
+          <a:blip r:embed="rId3" cstate="print"/>
+          <a:stretch>
+            <a:fillRect/>
+          </a:stretch>
+        </p:blipFill>
+        <p:spPr>
+          <a:xfrm>
+            <a:off x="3581400" y="133350"/>
+            <a:ext cx="2438400" cy="2438400"/>
+          </a:xfrm>
+          <a:prstGeom prst="rect">
+            <a:avLst/>
+          </a:prstGeom>
+          <a:ln>
+            <a:noFill/>
+          </a:ln>
+          <a:effectLst>
+            <a:outerShdw blurRad="292100" dist="139700" dir="2700000" algn="tl" rotWithShape="0">
+              <a:srgbClr val="333333">
+                <a:alpha val="65000"/>
+              </a:srgbClr>
+            </a:outerShdw>
+          </a:effectLst>
+        </p:spPr>
+      </p:pic>
+      <p:pic>
+        <p:nvPicPr>
+          <p:cNvPr id="16" name="Picture 15" descr="1.png"/>
+          <p:cNvPicPr>
+            <a:picLocks noChangeAspect="1"/>
+          </p:cNvPicPr>
+          <p:nvPr/>
+        </p:nvPicPr>
+        <p:blipFill>
+          <a:blip r:embed="rId4" cstate="print"/>
+          <a:stretch>
+            <a:fillRect/>
+          </a:stretch>
+        </p:blipFill>
+        <p:spPr>
+          <a:xfrm>
+            <a:off x="6096000" y="133350"/>
+            <a:ext cx="2438400" cy="2438400"/>
+          </a:xfrm>
+          <a:prstGeom prst="rect">
+            <a:avLst/>
+          </a:prstGeom>
+          <a:ln>
+            <a:noFill/>
+          </a:ln>
+          <a:effectLst>
+            <a:outerShdw blurRad="292100" dist="139700" dir="2700000" algn="tl" rotWithShape="0">
+              <a:srgbClr val="333333">
+                <a:alpha val="65000"/>
+              </a:srgbClr>
+            </a:outerShdw>
+          </a:effectLst>
+        </p:spPr>
+      </p:pic>
+      <p:pic>
+        <p:nvPicPr>
+          <p:cNvPr id="17" name="Picture 16" descr="2.png"/>
+          <p:cNvPicPr>
+            <a:picLocks noChangeAspect="1"/>
+          </p:cNvPicPr>
+          <p:nvPr/>
+        </p:nvPicPr>
+        <p:blipFill>
+          <a:blip r:embed="rId5" cstate="print"/>
+          <a:stretch>
+            <a:fillRect/>
+          </a:stretch>
+        </p:blipFill>
+        <p:spPr>
+          <a:xfrm>
+            <a:off x="3581400" y="2647950"/>
+            <a:ext cx="2438400" cy="2438400"/>
+          </a:xfrm>
+          <a:prstGeom prst="rect">
+            <a:avLst/>
+          </a:prstGeom>
+          <a:ln>
+            <a:noFill/>
+          </a:ln>
+          <a:effectLst>
+            <a:outerShdw blurRad="292100" dist="139700" dir="2700000" algn="tl" rotWithShape="0">
+              <a:srgbClr val="333333">
+                <a:alpha val="65000"/>
+              </a:srgbClr>
+            </a:outerShdw>
+          </a:effectLst>
+        </p:spPr>
+      </p:pic>
+      <p:pic>
+        <p:nvPicPr>
+          <p:cNvPr id="18" name="Picture 17" descr="3.png"/>
+          <p:cNvPicPr>
+            <a:picLocks noChangeAspect="1"/>
+          </p:cNvPicPr>
+          <p:nvPr/>
+        </p:nvPicPr>
+        <p:blipFill>
+          <a:blip r:embed="rId6" cstate="print"/>
+          <a:stretch>
+            <a:fillRect/>
+          </a:stretch>
+        </p:blipFill>
+        <p:spPr>
+          <a:xfrm>
+            <a:off x="6096000" y="2647950"/>
+            <a:ext cx="2438400" cy="2438400"/>
+          </a:xfrm>
+          <a:prstGeom prst="rect">
+            <a:avLst/>
+          </a:prstGeom>
+          <a:ln>
+            <a:noFill/>
+          </a:ln>
+          <a:effectLst>
+            <a:outerShdw blurRad="292100" dist="139700" dir="2700000" algn="tl" rotWithShape="0">
+              <a:srgbClr val="333333">
+                <a:alpha val="65000"/>
+              </a:srgbClr>
+            </a:outerShdw>
+          </a:effectLst>
+        </p:spPr>
+      </p:pic>
+      <p:sp>
+        <p:nvSpPr>
+          <p:cNvPr id="23" name="Title 1"/>
+          <p:cNvSpPr txBox="1">
+            <a:spLocks/>
+          </p:cNvSpPr>
+          <p:nvPr/>
+        </p:nvSpPr>
+        <p:spPr>
+          <a:xfrm>
+            <a:off x="304800" y="2876550"/>
+            <a:ext cx="3429000" cy="2266950"/>
+          </a:xfrm>
+          <a:prstGeom prst="rect">
+            <a:avLst/>
+          </a:prstGeom>
+        </p:spPr>
+        <p:txBody>
+          <a:bodyPr vert="horz" lIns="91440" tIns="45720" rIns="91440" bIns="45720" rtlCol="0" anchor="ctr">
+            <a:normAutofit/>
+          </a:bodyPr>
+          <a:lstStyle/>
+          <a:p>
+            <a:pPr marL="0" marR="0" lvl="0" indent="0" algn="ctr" defTabSz="914400" rtl="0" eaLnBrk="1" fontAlgn="auto" latinLnBrk="0" hangingPunct="1">
+              <a:lnSpc>
+                <a:spcPct val="100000"/>
+              </a:lnSpc>
+              <a:spcBef>
+                <a:spcPct val="0"/>
+              </a:spcBef>
+              <a:spcAft>
+                <a:spcPts val="0"/>
+              </a:spcAft>
+              <a:buClrTx/>
+              <a:buSzTx/>
+              <a:buFontTx/>
+              <a:buNone/>
+              <a:tabLst/>
+              <a:defRPr/>
+            </a:pPr>
+            <a:r>
+              <a:rPr lang="en-US" sz="4400" b="1" dirty="0" smtClean="0">
+                <a:solidFill>
+                  <a:schemeClr val="bg1"/>
+                </a:solidFill>
+                <a:effectLst>
+                  <a:outerShdw blurRad="38100" dist="38100" dir="2700000" algn="tl">
+                    <a:srgbClr val="000000">
+                      <a:alpha val="43137"/>
+                    </a:srgbClr>
+                  </a:outerShdw>
+                </a:effectLst>
+                <a:latin typeface="+mj-lt"/>
+                <a:ea typeface="+mj-ea"/>
+                <a:cs typeface="+mj-cs"/>
+              </a:rPr>
+              <a:t>and so on…</a:t>
+            </a:r>
+            <a:endParaRPr kumimoji="0" lang="en-US" sz="4400" b="1" i="0" u="none" strike="noStrike" kern="1200" cap="none" spc="0" normalizeH="0" baseline="0" noProof="0" dirty="0" smtClean="0">
+              <a:ln>
+                <a:noFill/>
+              </a:ln>
+              <a:solidFill>
+                <a:schemeClr val="bg1"/>
+              </a:solidFill>
+              <a:effectLst>
+                <a:outerShdw blurRad="38100" dist="38100" dir="2700000" algn="tl">
+                  <a:srgbClr val="000000">
+                    <a:alpha val="43137"/>
+                  </a:srgbClr>
+                </a:outerShdw>
+              </a:effectLst>
+              <a:uLnTx/>
+              <a:uFillTx/>
+              <a:latin typeface="+mj-lt"/>
+              <a:ea typeface="+mj-ea"/>
+              <a:cs typeface="+mj-cs"/>
+            </a:endParaRPr>
+          </a:p>
+        </p:txBody>
+      </p:sp>
+    </p:spTree>
+  </p:cSld>
+  <p:clrMapOvr>
+    <a:masterClrMapping/>
+  </p:clrMapOvr>
+  <p:timing>
+    <p:tnLst>
+      <p:par>
+        <p:cTn xmlns:p14="http://schemas.microsoft.com/office/powerpoint/2010/main" id="1" dur="indefinite" restart="never" nodeType="tmRoot">
+          <p:childTnLst>
+            <p:seq concurrent="1" nextAc="seek">
+              <p:cTn id="2" dur="indefinite" nodeType="mainSeq">
+                <p:childTnLst>
+                  <p:par>
+                    <p:cTn id="3" fill="hold">
+                      <p:stCondLst>
+                        <p:cond delay="indefinite"/>
+                      </p:stCondLst>
+                      <p:childTnLst>
+                        <p:par>
+                          <p:cTn id="4" fill="hold">
+                            <p:stCondLst>
+                              <p:cond delay="0"/>
+                            </p:stCondLst>
+                            <p:childTnLst>
+                              <p:par>
+                                <p:cTn id="5" presetID="22" presetClass="entr" presetSubtype="4" fill="hold" nodeType="clickEffect">
+                                  <p:stCondLst>
+                                    <p:cond delay="0"/>
+                                  </p:stCondLst>
+                                  <p:childTnLst>
+                                    <p:set>
+                                      <p:cBhvr>
+                                        <p:cTn id="6" dur="1" fill="hold">
+                                          <p:stCondLst>
+                                            <p:cond delay="0"/>
+                                          </p:stCondLst>
+                                        </p:cTn>
+                                        <p:tgtEl>
+                                          <p:spTgt spid="14"/>
+                                        </p:tgtEl>
+                                        <p:attrNameLst>
+                                          <p:attrName>style.visibility</p:attrName>
+                                        </p:attrNameLst>
+                                      </p:cBhvr>
+                                      <p:to>
+                                        <p:strVal val="visible"/>
+                                      </p:to>
+                                    </p:set>
+                                    <p:animEffect transition="in" filter="wipe(down)">
+                                      <p:cBhvr>
+                                        <p:cTn id="7" dur="500"/>
+                                        <p:tgtEl>
+                                          <p:spTgt spid="14"/>
+                                        </p:tgtEl>
+                                      </p:cBhvr>
+                                    </p:animEffect>
+                                  </p:childTnLst>
+                                </p:cTn>
+                              </p:par>
+                              <p:par>
+                                <p:cTn id="8" presetID="22" presetClass="entr" presetSubtype="4" fill="hold" nodeType="withEffect">
+                                  <p:stCondLst>
+                                    <p:cond delay="0"/>
+                                  </p:stCondLst>
+                                  <p:childTnLst>
+                                    <p:set>
+                                      <p:cBhvr>
+                                        <p:cTn id="9" dur="1" fill="hold">
+                                          <p:stCondLst>
+                                            <p:cond delay="0"/>
+                                          </p:stCondLst>
+                                        </p:cTn>
+                                        <p:tgtEl>
+                                          <p:spTgt spid="16"/>
+                                        </p:tgtEl>
+                                        <p:attrNameLst>
+                                          <p:attrName>style.visibility</p:attrName>
+                                        </p:attrNameLst>
+                                      </p:cBhvr>
+                                      <p:to>
+                                        <p:strVal val="visible"/>
+                                      </p:to>
+                                    </p:set>
+                                    <p:animEffect transition="in" filter="wipe(down)">
+                                      <p:cBhvr>
+                                        <p:cTn id="10" dur="500"/>
+                                        <p:tgtEl>
+                                          <p:spTgt spid="16"/>
+                                        </p:tgtEl>
+                                      </p:cBhvr>
+                                    </p:animEffect>
+                                  </p:childTnLst>
+                                </p:cTn>
+                              </p:par>
+                              <p:par>
+                                <p:cTn id="11" presetID="22" presetClass="entr" presetSubtype="1" fill="hold" nodeType="withEffect">
+                                  <p:stCondLst>
+                                    <p:cond delay="0"/>
+                                  </p:stCondLst>
+                                  <p:childTnLst>
+                                    <p:set>
+                                      <p:cBhvr>
+                                        <p:cTn id="12" dur="1" fill="hold">
+                                          <p:stCondLst>
+                                            <p:cond delay="0"/>
+                                          </p:stCondLst>
+                                        </p:cTn>
+                                        <p:tgtEl>
+                                          <p:spTgt spid="17"/>
+                                        </p:tgtEl>
+                                        <p:attrNameLst>
+                                          <p:attrName>style.visibility</p:attrName>
+                                        </p:attrNameLst>
+                                      </p:cBhvr>
+                                      <p:to>
+                                        <p:strVal val="visible"/>
+                                      </p:to>
+                                    </p:set>
+                                    <p:animEffect transition="in" filter="wipe(up)">
+                                      <p:cBhvr>
+                                        <p:cTn id="13" dur="500"/>
+                                        <p:tgtEl>
+                                          <p:spTgt spid="17"/>
+                                        </p:tgtEl>
+                                      </p:cBhvr>
+                                    </p:animEffect>
+                                  </p:childTnLst>
+                                </p:cTn>
+                              </p:par>
+                              <p:par>
+                                <p:cTn id="14" presetID="22" presetClass="entr" presetSubtype="1" fill="hold" nodeType="withEffect">
+                                  <p:stCondLst>
+                                    <p:cond delay="0"/>
+                                  </p:stCondLst>
+                                  <p:childTnLst>
+                                    <p:set>
+                                      <p:cBhvr>
+                                        <p:cTn id="15" dur="1" fill="hold">
+                                          <p:stCondLst>
+                                            <p:cond delay="0"/>
+                                          </p:stCondLst>
+                                        </p:cTn>
+                                        <p:tgtEl>
+                                          <p:spTgt spid="18"/>
+                                        </p:tgtEl>
+                                        <p:attrNameLst>
+                                          <p:attrName>style.visibility</p:attrName>
+                                        </p:attrNameLst>
+                                      </p:cBhvr>
+                                      <p:to>
+                                        <p:strVal val="visible"/>
+                                      </p:to>
+                                    </p:set>
+                                    <p:animEffect transition="in" filter="wipe(up)">
+                                      <p:cBhvr>
+                                        <p:cTn id="16" dur="500"/>
+                                        <p:tgtEl>
+                                          <p:spTgt spid="18"/>
+                                        </p:tgtEl>
+                                      </p:cBhvr>
+                                    </p:animEffect>
+                                  </p:childTnLst>
+                                </p:cTn>
+                              </p:par>
+                              <p:par>
+                                <p:cTn id="17" presetID="10" presetClass="entr" presetSubtype="0" fill="hold" grpId="0" nodeType="withEffect">
+                                  <p:stCondLst>
+                                    <p:cond delay="0"/>
+                                  </p:stCondLst>
+                                  <p:childTnLst>
+                                    <p:set>
+                                      <p:cBhvr>
+                                        <p:cTn id="18" dur="1" fill="hold">
+                                          <p:stCondLst>
+                                            <p:cond delay="0"/>
+                                          </p:stCondLst>
+                                        </p:cTn>
+                                        <p:tgtEl>
+                                          <p:spTgt spid="22"/>
+                                        </p:tgtEl>
+                                        <p:attrNameLst>
+                                          <p:attrName>style.visibility</p:attrName>
+                                        </p:attrNameLst>
+                                      </p:cBhvr>
+                                      <p:to>
+                                        <p:strVal val="visible"/>
+                                      </p:to>
+                                    </p:set>
+                                    <p:animEffect transition="in" filter="fade">
+                                      <p:cBhvr>
+                                        <p:cTn id="19" dur="500"/>
+                                        <p:tgtEl>
+                                          <p:spTgt spid="22"/>
+                                        </p:tgtEl>
+                                      </p:cBhvr>
+                                    </p:animEffect>
+                                  </p:childTnLst>
+                                </p:cTn>
+                              </p:par>
+                            </p:childTnLst>
+                          </p:cTn>
+                        </p:par>
+                        <p:par>
+                          <p:cTn id="20" fill="hold">
+                            <p:stCondLst>
+                              <p:cond delay="500"/>
+                            </p:stCondLst>
+                            <p:childTnLst>
+                              <p:par>
+                                <p:cTn id="21" presetID="10" presetClass="entr" presetSubtype="0" fill="hold" grpId="0" nodeType="afterEffect">
+                                  <p:stCondLst>
+                                    <p:cond delay="0"/>
+                                  </p:stCondLst>
+                                  <p:childTnLst>
+                                    <p:set>
+                                      <p:cBhvr>
+                                        <p:cTn id="22" dur="1" fill="hold">
+                                          <p:stCondLst>
+                                            <p:cond delay="0"/>
+                                          </p:stCondLst>
+                                        </p:cTn>
+                                        <p:tgtEl>
+                                          <p:spTgt spid="23"/>
+                                        </p:tgtEl>
+                                        <p:attrNameLst>
+                                          <p:attrName>style.visibility</p:attrName>
+                                        </p:attrNameLst>
+                                      </p:cBhvr>
+                                      <p:to>
+                                        <p:strVal val="visible"/>
+                                      </p:to>
+                                    </p:set>
+                                    <p:animEffect transition="in" filter="fade">
+                                      <p:cBhvr>
+                                        <p:cTn id="23" dur="500"/>
+                                        <p:tgtEl>
+                                          <p:spTgt spid="23"/>
+                                        </p:tgtEl>
+                                      </p:cBhvr>
+                                    </p:animEffect>
+                                  </p:childTnLst>
+                                </p:cTn>
+                              </p:par>
+                            </p:childTnLst>
+                          </p:cTn>
+                        </p:par>
+                      </p:childTnLst>
+                    </p:cTn>
+                  </p:par>
+                </p:childTnLst>
+              </p:cTn>
+              <p:prevCondLst>
+                <p:cond evt="onPrev" delay="0">
+                  <p:tgtEl>
+                    <p:sldTgt/>
+                  </p:tgtEl>
+                </p:cond>
+              </p:prevCondLst>
+              <p:nextCondLst>
+                <p:cond evt="onNext" delay="0">
+                  <p:tgtEl>
+                    <p:sldTgt/>
+                  </p:tgtEl>
+                </p:cond>
+              </p:nextCondLst>
+            </p:seq>
+          </p:childTnLst>
+        </p:cTn>
+      </p:par>
+    </p:tnLst>
+    <p:bldLst>
+      <p:bldP spid="22" grpId="0"/>
+      <p:bldP spid="23" grpId="0"/>
+    </p:bldLst>
+  </p:timing>
+</p:sld>
+</file>
+
+<file path=ppt/slides/slide11.xml><?xml version="1.0" encoding="utf-8"?>
 <p:sld xmlns:a="http://schemas.openxmlformats.org/drawingml/2006/main" xmlns:r="http://schemas.openxmlformats.org/officeDocument/2006/relationships" xmlns:p="http://schemas.openxmlformats.org/presentationml/2006/main">
   <p:cSld>
     <p:bg>
@@ -3279,7 +4401,7 @@
   <p:timing>
     <p:tnLst>
       <p:par>
-        <p:cTn id="1" dur="indefinite" restart="never" nodeType="tmRoot">
+        <p:cTn xmlns:p14="http://schemas.microsoft.com/office/powerpoint/2010/main" id="1" dur="indefinite" restart="never" nodeType="tmRoot">
           <p:childTnLst>
             <p:seq concurrent="1" nextAc="seek">
               <p:cTn id="2" dur="indefinite" nodeType="mainSeq">
@@ -3468,7 +4590,7 @@
 </p:sld>
 </file>
 
-<file path=ppt/slides/slide11.xml><?xml version="1.0" encoding="utf-8"?>
+<file path=ppt/slides/slide12.xml><?xml version="1.0" encoding="utf-8"?>
 <p:sld xmlns:a="http://schemas.openxmlformats.org/drawingml/2006/main" xmlns:r="http://schemas.openxmlformats.org/officeDocument/2006/relationships" xmlns:p="http://schemas.openxmlformats.org/presentationml/2006/main">
   <p:cSld>
     <p:bg>
@@ -3539,14 +4661,14 @@
   <p:timing>
     <p:tnLst>
       <p:par>
-        <p:cTn id="1" dur="indefinite" restart="never" nodeType="tmRoot"/>
+        <p:cTn xmlns:p14="http://schemas.microsoft.com/office/powerpoint/2010/main" id="1" dur="indefinite" restart="never" nodeType="tmRoot"/>
       </p:par>
     </p:tnLst>
   </p:timing>
 </p:sld>
 </file>
 
-<file path=ppt/slides/slide12.xml><?xml version="1.0" encoding="utf-8"?>
+<file path=ppt/slides/slide13.xml><?xml version="1.0" encoding="utf-8"?>
 <p:sld xmlns:a="http://schemas.openxmlformats.org/drawingml/2006/main" xmlns:r="http://schemas.openxmlformats.org/officeDocument/2006/relationships" xmlns:p="http://schemas.openxmlformats.org/presentationml/2006/main">
   <p:cSld>
     <p:spTree>
@@ -3627,7 +4749,7 @@
   <p:timing>
     <p:tnLst>
       <p:par>
-        <p:cTn id="1" dur="indefinite" restart="never" nodeType="tmRoot">
+        <p:cTn xmlns:p14="http://schemas.microsoft.com/office/powerpoint/2010/main" id="1" dur="indefinite" restart="never" nodeType="tmRoot">
           <p:childTnLst>
             <p:seq concurrent="1" nextAc="seek">
               <p:cTn id="2" dur="indefinite" nodeType="mainSeq">
@@ -3968,7 +5090,7 @@
 </p:sld>
 </file>
 
-<file path=ppt/slides/slide13.xml><?xml version="1.0" encoding="utf-8"?>
+<file path=ppt/slides/slide14.xml><?xml version="1.0" encoding="utf-8"?>
 <p:sld xmlns:a="http://schemas.openxmlformats.org/drawingml/2006/main" xmlns:r="http://schemas.openxmlformats.org/officeDocument/2006/relationships" xmlns:p="http://schemas.openxmlformats.org/presentationml/2006/main">
   <p:cSld>
     <p:spTree>
@@ -4419,7 +5541,7 @@
   <p:timing>
     <p:tnLst>
       <p:par>
-        <p:cTn id="1" dur="indefinite" restart="never" nodeType="tmRoot">
+        <p:cTn xmlns:p14="http://schemas.microsoft.com/office/powerpoint/2010/main" id="1" dur="indefinite" restart="never" nodeType="tmRoot">
           <p:childTnLst>
             <p:seq concurrent="1" nextAc="seek">
               <p:cTn id="2" dur="indefinite" nodeType="mainSeq">
@@ -4505,7 +5627,7 @@
 </p:sld>
 </file>
 
-<file path=ppt/slides/slide14.xml><?xml version="1.0" encoding="utf-8"?>
+<file path=ppt/slides/slide15.xml><?xml version="1.0" encoding="utf-8"?>
 <p:sld xmlns:a="http://schemas.openxmlformats.org/drawingml/2006/main" xmlns:r="http://schemas.openxmlformats.org/officeDocument/2006/relationships" xmlns:p="http://schemas.openxmlformats.org/presentationml/2006/main">
   <p:cSld>
     <p:spTree>
@@ -4927,14 +6049,14 @@
   <p:timing>
     <p:tnLst>
       <p:par>
-        <p:cTn id="1" dur="indefinite" restart="never" nodeType="tmRoot"/>
+        <p:cTn xmlns:p14="http://schemas.microsoft.com/office/powerpoint/2010/main" id="1" dur="indefinite" restart="never" nodeType="tmRoot"/>
       </p:par>
     </p:tnLst>
   </p:timing>
 </p:sld>
 </file>
 
-<file path=ppt/slides/slide15.xml><?xml version="1.0" encoding="utf-8"?>
+<file path=ppt/slides/slide16.xml><?xml version="1.0" encoding="utf-8"?>
 <p:sld xmlns:a="http://schemas.openxmlformats.org/drawingml/2006/main" xmlns:r="http://schemas.openxmlformats.org/officeDocument/2006/relationships" xmlns:p="http://schemas.openxmlformats.org/presentationml/2006/main">
   <p:cSld>
     <p:bg>
@@ -5005,14 +6127,14 @@
   <p:timing>
     <p:tnLst>
       <p:par>
-        <p:cTn id="1" dur="indefinite" restart="never" nodeType="tmRoot"/>
+        <p:cTn xmlns:p14="http://schemas.microsoft.com/office/powerpoint/2010/main" id="1" dur="indefinite" restart="never" nodeType="tmRoot"/>
       </p:par>
     </p:tnLst>
   </p:timing>
 </p:sld>
 </file>
 
-<file path=ppt/slides/slide16.xml><?xml version="1.0" encoding="utf-8"?>
+<file path=ppt/slides/slide17.xml><?xml version="1.0" encoding="utf-8"?>
 <p:sld xmlns:a="http://schemas.openxmlformats.org/drawingml/2006/main" xmlns:r="http://schemas.openxmlformats.org/officeDocument/2006/relationships" xmlns:p="http://schemas.openxmlformats.org/presentationml/2006/main">
   <p:cSld>
     <p:bg>
@@ -5182,7 +6304,7 @@
   <p:timing>
     <p:tnLst>
       <p:par>
-        <p:cTn id="1" dur="indefinite" restart="never" nodeType="tmRoot">
+        <p:cTn xmlns:p14="http://schemas.microsoft.com/office/powerpoint/2010/main" id="1" dur="indefinite" restart="never" nodeType="tmRoot">
           <p:childTnLst>
             <p:seq concurrent="1" nextAc="seek">
               <p:cTn id="2" dur="indefinite" nodeType="mainSeq">
@@ -5318,7 +6440,7 @@
 </p:sld>
 </file>
 
-<file path=ppt/slides/slide17.xml><?xml version="1.0" encoding="utf-8"?>
+<file path=ppt/slides/slide18.xml><?xml version="1.0" encoding="utf-8"?>
 <p:sld xmlns:a="http://schemas.openxmlformats.org/drawingml/2006/main" xmlns:r="http://schemas.openxmlformats.org/officeDocument/2006/relationships" xmlns:p="http://schemas.openxmlformats.org/presentationml/2006/main">
   <p:cSld>
     <p:bg>
@@ -5687,7 +6809,7 @@
   <p:timing>
     <p:tnLst>
       <p:par>
-        <p:cTn id="1" dur="indefinite" restart="never" nodeType="tmRoot">
+        <p:cTn xmlns:p14="http://schemas.microsoft.com/office/powerpoint/2010/main" id="1" dur="indefinite" restart="never" nodeType="tmRoot">
           <p:childTnLst>
             <p:seq concurrent="1" nextAc="seek">
               <p:cTn id="2" dur="indefinite" nodeType="mainSeq">
@@ -5999,88 +7121,6 @@
 </p:sld>
 </file>
 
-<file path=ppt/slides/slide18.xml><?xml version="1.0" encoding="utf-8"?>
-<p:sld xmlns:a="http://schemas.openxmlformats.org/drawingml/2006/main" xmlns:r="http://schemas.openxmlformats.org/officeDocument/2006/relationships" xmlns:p="http://schemas.openxmlformats.org/presentationml/2006/main">
-  <p:cSld>
-    <p:bg>
-      <p:bgPr>
-        <a:solidFill>
-          <a:srgbClr val="780A68"/>
-        </a:solidFill>
-        <a:effectLst/>
-      </p:bgPr>
-    </p:bg>
-    <p:spTree>
-      <p:nvGrpSpPr>
-        <p:cNvPr id="1" name=""/>
-        <p:cNvGrpSpPr/>
-        <p:nvPr/>
-      </p:nvGrpSpPr>
-      <p:grpSpPr>
-        <a:xfrm>
-          <a:off x="0" y="0"/>
-          <a:ext cx="0" cy="0"/>
-          <a:chOff x="0" y="0"/>
-          <a:chExt cx="0" cy="0"/>
-        </a:xfrm>
-      </p:grpSpPr>
-      <p:sp>
-        <p:nvSpPr>
-          <p:cNvPr id="4" name="Content Placeholder 2"/>
-          <p:cNvSpPr>
-            <a:spLocks noGrp="1"/>
-          </p:cNvSpPr>
-          <p:nvPr>
-            <p:ph sz="half" idx="1"/>
-          </p:nvPr>
-        </p:nvSpPr>
-        <p:spPr>
-          <a:xfrm>
-            <a:off x="3124200" y="1581150"/>
-            <a:ext cx="5562600" cy="3124199"/>
-          </a:xfrm>
-        </p:spPr>
-        <p:txBody>
-          <a:bodyPr>
-            <a:noAutofit/>
-          </a:bodyPr>
-          <a:lstStyle/>
-          <a:p>
-            <a:r>
-              <a:rPr lang="en-US" sz="3600" dirty="0" smtClean="0"/>
-              <a:t>SVG</a:t>
-            </a:r>
-          </a:p>
-          <a:p>
-            <a:r>
-              <a:rPr lang="en-US" sz="3600" dirty="0" smtClean="0"/>
-              <a:t>Canvas</a:t>
-            </a:r>
-          </a:p>
-          <a:p>
-            <a:r>
-              <a:rPr lang="en-US" sz="3600" dirty="0" smtClean="0"/>
-              <a:t>Plain Images…</a:t>
-            </a:r>
-            <a:endParaRPr lang="en-US" sz="3600" dirty="0"/>
-          </a:p>
-        </p:txBody>
-      </p:sp>
-    </p:spTree>
-  </p:cSld>
-  <p:clrMapOvr>
-    <a:masterClrMapping/>
-  </p:clrMapOvr>
-  <p:timing>
-    <p:tnLst>
-      <p:par>
-        <p:cTn id="1" dur="indefinite" restart="never" nodeType="tmRoot"/>
-      </p:par>
-    </p:tnLst>
-  </p:timing>
-</p:sld>
-</file>
-
 <file path=ppt/slides/slide19.xml><?xml version="1.0" encoding="utf-8"?>
 <p:sld xmlns:a="http://schemas.openxmlformats.org/drawingml/2006/main" xmlns:r="http://schemas.openxmlformats.org/officeDocument/2006/relationships" xmlns:p="http://schemas.openxmlformats.org/presentationml/2006/main">
   <p:cSld>
@@ -6226,7 +7266,7 @@
   <p:timing>
     <p:tnLst>
       <p:par>
-        <p:cTn id="1" dur="indefinite" restart="never" nodeType="tmRoot">
+        <p:cTn xmlns:p14="http://schemas.microsoft.com/office/powerpoint/2010/main" id="1" dur="indefinite" restart="never" nodeType="tmRoot">
           <p:childTnLst>
             <p:seq concurrent="1" nextAc="seek">
               <p:cTn id="2" dur="indefinite" nodeType="mainSeq">
@@ -6480,7 +7520,7 @@
   <p:timing>
     <p:tnLst>
       <p:par>
-        <p:cTn id="1" dur="indefinite" restart="never" nodeType="tmRoot"/>
+        <p:cTn xmlns:p14="http://schemas.microsoft.com/office/powerpoint/2010/main" id="1" dur="indefinite" restart="never" nodeType="tmRoot"/>
       </p:par>
     </p:tnLst>
   </p:timing>
@@ -6537,7 +7577,7 @@
   <p:timing>
     <p:tnLst>
       <p:par>
-        <p:cTn id="1" dur="indefinite" restart="never" nodeType="tmRoot"/>
+        <p:cTn xmlns:p14="http://schemas.microsoft.com/office/powerpoint/2010/main" id="1" dur="indefinite" restart="never" nodeType="tmRoot"/>
       </p:par>
     </p:tnLst>
   </p:timing>
@@ -6614,7 +7654,7 @@
   <p:timing>
     <p:tnLst>
       <p:par>
-        <p:cTn id="1" dur="indefinite" restart="never" nodeType="tmRoot"/>
+        <p:cTn xmlns:p14="http://schemas.microsoft.com/office/powerpoint/2010/main" id="1" dur="indefinite" restart="never" nodeType="tmRoot"/>
       </p:par>
     </p:tnLst>
   </p:timing>
@@ -6691,7 +7731,7 @@
   <p:timing>
     <p:tnLst>
       <p:par>
-        <p:cTn id="1" dur="indefinite" restart="never" nodeType="tmRoot"/>
+        <p:cTn xmlns:p14="http://schemas.microsoft.com/office/powerpoint/2010/main" id="1" dur="indefinite" restart="never" nodeType="tmRoot"/>
       </p:par>
     </p:tnLst>
   </p:timing>
@@ -6791,7 +7831,7 @@
   <p:timing>
     <p:tnLst>
       <p:par>
-        <p:cTn id="1" dur="indefinite" restart="never" nodeType="tmRoot"/>
+        <p:cTn xmlns:p14="http://schemas.microsoft.com/office/powerpoint/2010/main" id="1" dur="indefinite" restart="never" nodeType="tmRoot"/>
       </p:par>
     </p:tnLst>
   </p:timing>
@@ -6799,6 +7839,92 @@
 </file>
 
 <file path=ppt/slides/slide24.xml><?xml version="1.0" encoding="utf-8"?>
+<p:sld xmlns:a="http://schemas.openxmlformats.org/drawingml/2006/main" xmlns:r="http://schemas.openxmlformats.org/officeDocument/2006/relationships" xmlns:p="http://schemas.openxmlformats.org/presentationml/2006/main">
+  <p:cSld>
+    <p:spTree>
+      <p:nvGrpSpPr>
+        <p:cNvPr id="1" name=""/>
+        <p:cNvGrpSpPr/>
+        <p:nvPr/>
+      </p:nvGrpSpPr>
+      <p:grpSpPr>
+        <a:xfrm>
+          <a:off x="0" y="0"/>
+          <a:ext cx="0" cy="0"/>
+          <a:chOff x="0" y="0"/>
+          <a:chExt cx="0" cy="0"/>
+        </a:xfrm>
+      </p:grpSpPr>
+      <p:sp>
+        <p:nvSpPr>
+          <p:cNvPr id="2" name="Title 1"/>
+          <p:cNvSpPr>
+            <a:spLocks noGrp="1"/>
+          </p:cNvSpPr>
+          <p:nvPr>
+            <p:ph type="title"/>
+          </p:nvPr>
+        </p:nvSpPr>
+        <p:spPr/>
+        <p:txBody>
+          <a:bodyPr/>
+          <a:lstStyle/>
+          <a:p>
+            <a:r>
+              <a:rPr lang="en-US" dirty="0" smtClean="0"/>
+              <a:t>Editor</a:t>
+            </a:r>
+            <a:r>
+              <a:rPr lang="en-US" dirty="0" smtClean="0"/>
+              <a:t/>
+            </a:r>
+            <a:br>
+              <a:rPr lang="en-US" dirty="0" smtClean="0"/>
+            </a:br>
+            <a:r>
+              <a:rPr lang="en-US" dirty="0"/>
+              <a:t/>
+            </a:r>
+            <a:br>
+              <a:rPr lang="en-US" dirty="0"/>
+            </a:br>
+            <a:r>
+              <a:rPr lang="en-US" sz="4800" i="1" dirty="0" err="1" smtClean="0">
+                <a:solidFill>
+                  <a:srgbClr val="FF66CC"/>
+                </a:solidFill>
+              </a:rPr>
+              <a:t>prose.io</a:t>
+            </a:r>
+            <a:endParaRPr lang="en-US" i="1" dirty="0">
+              <a:solidFill>
+                <a:srgbClr val="FF66CC"/>
+              </a:solidFill>
+            </a:endParaRPr>
+          </a:p>
+        </p:txBody>
+      </p:sp>
+    </p:spTree>
+    <p:extLst>
+      <p:ext uri="{BB962C8B-B14F-4D97-AF65-F5344CB8AC3E}">
+        <p14:creationId xmlns:p14="http://schemas.microsoft.com/office/powerpoint/2010/main" val="3916663343"/>
+      </p:ext>
+    </p:extLst>
+  </p:cSld>
+  <p:clrMapOvr>
+    <a:masterClrMapping/>
+  </p:clrMapOvr>
+  <p:timing>
+    <p:tnLst>
+      <p:par>
+        <p:cTn xmlns:p14="http://schemas.microsoft.com/office/powerpoint/2010/main" id="1" dur="indefinite" restart="never" nodeType="tmRoot"/>
+      </p:par>
+    </p:tnLst>
+  </p:timing>
+</p:sld>
+</file>
+
+<file path=ppt/slides/slide25.xml><?xml version="1.0" encoding="utf-8"?>
 <p:sld xmlns:a="http://schemas.openxmlformats.org/drawingml/2006/main" xmlns:r="http://schemas.openxmlformats.org/officeDocument/2006/relationships" xmlns:p="http://schemas.openxmlformats.org/presentationml/2006/main">
   <p:cSld>
     <p:spTree>
@@ -6873,14 +7999,14 @@
   <p:timing>
     <p:tnLst>
       <p:par>
-        <p:cTn id="1" dur="indefinite" restart="never" nodeType="tmRoot"/>
+        <p:cTn xmlns:p14="http://schemas.microsoft.com/office/powerpoint/2010/main" id="1" dur="indefinite" restart="never" nodeType="tmRoot"/>
       </p:par>
     </p:tnLst>
   </p:timing>
 </p:sld>
 </file>
 
-<file path=ppt/slides/slide25.xml><?xml version="1.0" encoding="utf-8"?>
+<file path=ppt/slides/slide26.xml><?xml version="1.0" encoding="utf-8"?>
 <p:sld xmlns:a="http://schemas.openxmlformats.org/drawingml/2006/main" xmlns:r="http://schemas.openxmlformats.org/officeDocument/2006/relationships" xmlns:p="http://schemas.openxmlformats.org/presentationml/2006/main">
   <p:cSld>
     <p:spTree>
@@ -7093,14 +8219,14 @@
   <p:timing>
     <p:tnLst>
       <p:par>
-        <p:cTn id="1" dur="indefinite" restart="never" nodeType="tmRoot"/>
+        <p:cTn xmlns:p14="http://schemas.microsoft.com/office/powerpoint/2010/main" id="1" dur="indefinite" restart="never" nodeType="tmRoot"/>
       </p:par>
     </p:tnLst>
   </p:timing>
 </p:sld>
 </file>
 
-<file path=ppt/slides/slide26.xml><?xml version="1.0" encoding="utf-8"?>
+<file path=ppt/slides/slide27.xml><?xml version="1.0" encoding="utf-8"?>
 <p:sld xmlns:a="http://schemas.openxmlformats.org/drawingml/2006/main" xmlns:r="http://schemas.openxmlformats.org/officeDocument/2006/relationships" xmlns:p="http://schemas.openxmlformats.org/presentationml/2006/main">
   <p:cSld>
     <p:spTree>
@@ -7144,7 +8270,7 @@
   <p:timing>
     <p:tnLst>
       <p:par>
-        <p:cTn id="1" dur="indefinite" restart="never" nodeType="tmRoot"/>
+        <p:cTn xmlns:p14="http://schemas.microsoft.com/office/powerpoint/2010/main" id="1" dur="indefinite" restart="never" nodeType="tmRoot"/>
       </p:par>
     </p:tnLst>
   </p:timing>
@@ -7218,7 +8344,7 @@
   <p:timing>
     <p:tnLst>
       <p:par>
-        <p:cTn id="1" dur="indefinite" restart="never" nodeType="tmRoot">
+        <p:cTn xmlns:p14="http://schemas.microsoft.com/office/powerpoint/2010/main" id="1" dur="indefinite" restart="never" nodeType="tmRoot">
           <p:childTnLst>
             <p:seq concurrent="1" nextAc="seek">
               <p:cTn id="2" dur="indefinite" nodeType="mainSeq">
@@ -7531,7 +8657,7 @@
   <p:timing>
     <p:tnLst>
       <p:par>
-        <p:cTn id="1" dur="indefinite" restart="never" nodeType="tmRoot"/>
+        <p:cTn xmlns:p14="http://schemas.microsoft.com/office/powerpoint/2010/main" id="1" dur="indefinite" restart="never" nodeType="tmRoot"/>
       </p:par>
     </p:tnLst>
   </p:timing>
@@ -7574,7 +8700,7 @@
           <a:p>
             <a:r>
               <a:rPr lang="en-US" sz="6600" dirty="0" smtClean="0"/>
-              <a:t>Data</a:t>
+              <a:t>Two Parts:</a:t>
             </a:r>
             <a:endParaRPr lang="en-US" sz="6600" dirty="0"/>
           </a:p>
@@ -7588,7 +8714,7 @@
   <p:timing>
     <p:tnLst>
       <p:par>
-        <p:cTn id="1" dur="indefinite" restart="never" nodeType="tmRoot"/>
+        <p:cTn xmlns:p14="http://schemas.microsoft.com/office/powerpoint/2010/main" id="1" dur="indefinite" restart="never" nodeType="tmRoot"/>
       </p:par>
     </p:tnLst>
   </p:timing>
@@ -7631,6 +8757,68 @@
           <a:p>
             <a:r>
               <a:rPr lang="en-US" sz="6600" dirty="0" smtClean="0"/>
+              <a:t>Data</a:t>
+            </a:r>
+            <a:endParaRPr lang="en-US" sz="6600" dirty="0"/>
+          </a:p>
+        </p:txBody>
+      </p:sp>
+    </p:spTree>
+    <p:extLst>
+      <p:ext uri="{BB962C8B-B14F-4D97-AF65-F5344CB8AC3E}">
+        <p14:creationId xmlns:p14="http://schemas.microsoft.com/office/powerpoint/2010/main" val="2971979176"/>
+      </p:ext>
+    </p:extLst>
+  </p:cSld>
+  <p:clrMapOvr>
+    <a:masterClrMapping/>
+  </p:clrMapOvr>
+  <p:timing>
+    <p:tnLst>
+      <p:par>
+        <p:cTn xmlns:p14="http://schemas.microsoft.com/office/powerpoint/2010/main" id="1" dur="indefinite" restart="never" nodeType="tmRoot"/>
+      </p:par>
+    </p:tnLst>
+  </p:timing>
+</p:sld>
+</file>
+
+<file path=ppt/slides/slide7.xml><?xml version="1.0" encoding="utf-8"?>
+<p:sld xmlns:a="http://schemas.openxmlformats.org/drawingml/2006/main" xmlns:r="http://schemas.openxmlformats.org/officeDocument/2006/relationships" xmlns:p="http://schemas.openxmlformats.org/presentationml/2006/main">
+  <p:cSld>
+    <p:spTree>
+      <p:nvGrpSpPr>
+        <p:cNvPr id="1" name=""/>
+        <p:cNvGrpSpPr/>
+        <p:nvPr/>
+      </p:nvGrpSpPr>
+      <p:grpSpPr>
+        <a:xfrm>
+          <a:off x="0" y="0"/>
+          <a:ext cx="0" cy="0"/>
+          <a:chOff x="0" y="0"/>
+          <a:chExt cx="0" cy="0"/>
+        </a:xfrm>
+      </p:grpSpPr>
+      <p:sp>
+        <p:nvSpPr>
+          <p:cNvPr id="2" name="Title 1"/>
+          <p:cNvSpPr>
+            <a:spLocks noGrp="1"/>
+          </p:cNvSpPr>
+          <p:nvPr>
+            <p:ph type="title"/>
+          </p:nvPr>
+        </p:nvSpPr>
+        <p:spPr/>
+        <p:txBody>
+          <a:bodyPr>
+            <a:normAutofit/>
+          </a:bodyPr>
+          <a:lstStyle/>
+          <a:p>
+            <a:r>
+              <a:rPr lang="en-US" sz="6600" dirty="0" smtClean="0"/>
               <a:t>The Mapping Client</a:t>
             </a:r>
             <a:endParaRPr lang="en-US" sz="6600" dirty="0"/>
@@ -7645,14 +8833,14 @@
   <p:timing>
     <p:tnLst>
       <p:par>
-        <p:cTn id="1" dur="indefinite" restart="never" nodeType="tmRoot"/>
+        <p:cTn xmlns:p14="http://schemas.microsoft.com/office/powerpoint/2010/main" id="1" dur="indefinite" restart="never" nodeType="tmRoot"/>
       </p:par>
     </p:tnLst>
   </p:timing>
 </p:sld>
 </file>
 
-<file path=ppt/slides/slide7.xml><?xml version="1.0" encoding="utf-8"?>
+<file path=ppt/slides/slide8.xml><?xml version="1.0" encoding="utf-8"?>
 <p:sld xmlns:a="http://schemas.openxmlformats.org/drawingml/2006/main" xmlns:r="http://schemas.openxmlformats.org/officeDocument/2006/relationships" xmlns:p="http://schemas.openxmlformats.org/presentationml/2006/main">
   <p:cSld>
     <p:bg>
@@ -7730,14 +8918,14 @@
   <p:timing>
     <p:tnLst>
       <p:par>
-        <p:cTn id="1" dur="indefinite" restart="never" nodeType="tmRoot"/>
+        <p:cTn xmlns:p14="http://schemas.microsoft.com/office/powerpoint/2010/main" id="1" dur="indefinite" restart="never" nodeType="tmRoot"/>
       </p:par>
     </p:tnLst>
   </p:timing>
 </p:sld>
 </file>
 
-<file path=ppt/slides/slide8.xml><?xml version="1.0" encoding="utf-8"?>
+<file path=ppt/slides/slide9.xml><?xml version="1.0" encoding="utf-8"?>
 <p:sld xmlns:a="http://schemas.openxmlformats.org/drawingml/2006/main" xmlns:r="http://schemas.openxmlformats.org/officeDocument/2006/relationships" xmlns:p="http://schemas.openxmlformats.org/presentationml/2006/main">
   <p:cSld>
     <p:bg>
@@ -8238,1130 +9426,9 @@
   <p:timing>
     <p:tnLst>
       <p:par>
-        <p:cTn id="1" dur="indefinite" restart="never" nodeType="tmRoot"/>
+        <p:cTn xmlns:p14="http://schemas.microsoft.com/office/powerpoint/2010/main" id="1" dur="indefinite" restart="never" nodeType="tmRoot"/>
       </p:par>
     </p:tnLst>
-  </p:timing>
-</p:sld>
-</file>
-
-<file path=ppt/slides/slide9.xml><?xml version="1.0" encoding="utf-8"?>
-<p:sld xmlns:a="http://schemas.openxmlformats.org/drawingml/2006/main" xmlns:r="http://schemas.openxmlformats.org/officeDocument/2006/relationships" xmlns:p="http://schemas.openxmlformats.org/presentationml/2006/main">
-  <p:cSld>
-    <p:bg>
-      <p:bgPr>
-        <a:solidFill>
-          <a:srgbClr val="780A68"/>
-        </a:solidFill>
-        <a:effectLst/>
-      </p:bgPr>
-    </p:bg>
-    <p:spTree>
-      <p:nvGrpSpPr>
-        <p:cNvPr id="1" name=""/>
-        <p:cNvGrpSpPr/>
-        <p:nvPr/>
-      </p:nvGrpSpPr>
-      <p:grpSpPr>
-        <a:xfrm>
-          <a:off x="0" y="0"/>
-          <a:ext cx="0" cy="0"/>
-          <a:chOff x="0" y="0"/>
-          <a:chExt cx="0" cy="0"/>
-        </a:xfrm>
-      </p:grpSpPr>
-      <p:sp>
-        <p:nvSpPr>
-          <p:cNvPr id="2" name="Title 1"/>
-          <p:cNvSpPr>
-            <a:spLocks noGrp="1"/>
-          </p:cNvSpPr>
-          <p:nvPr>
-            <p:ph type="title"/>
-          </p:nvPr>
-        </p:nvSpPr>
-        <p:spPr>
-          <a:xfrm>
-            <a:off x="457200" y="205979"/>
-            <a:ext cx="3429000" cy="2441971"/>
-          </a:xfrm>
-        </p:spPr>
-        <p:txBody>
-          <a:bodyPr/>
-          <a:lstStyle/>
-          <a:p>
-            <a:r>
-              <a:rPr lang="en-US" dirty="0" smtClean="0"/>
-              <a:t>Tiles…</a:t>
-            </a:r>
-            <a:endParaRPr lang="en-US" dirty="0"/>
-          </a:p>
-        </p:txBody>
-      </p:sp>
-      <p:pic>
-        <p:nvPicPr>
-          <p:cNvPr id="1026" name="Picture 2" descr="https://a.tiles.mapbox.com/v4/examples.map-i86l3621/0/0/0.png?access_token=pk.eyJ1IjoidHJpc3RlbiIsImEiOiJuZ2E5MG5BIn0.39lpfFC5Nxyqck1qbTNquQ"/>
-          <p:cNvPicPr>
-            <a:picLocks noChangeAspect="1" noChangeArrowheads="1"/>
-          </p:cNvPicPr>
-          <p:nvPr/>
-        </p:nvPicPr>
-        <p:blipFill>
-          <a:blip r:embed="rId2" cstate="print"/>
-          <a:srcRect/>
-          <a:stretch>
-            <a:fillRect/>
-          </a:stretch>
-        </p:blipFill>
-        <p:spPr bwMode="auto">
-          <a:xfrm>
-            <a:off x="4343400" y="895350"/>
-            <a:ext cx="3429000" cy="3429002"/>
-          </a:xfrm>
-          <a:prstGeom prst="rect">
-            <a:avLst/>
-          </a:prstGeom>
-          <a:noFill/>
-        </p:spPr>
-      </p:pic>
-      <p:sp>
-        <p:nvSpPr>
-          <p:cNvPr id="11" name="TextBox 10"/>
-          <p:cNvSpPr txBox="1"/>
-          <p:nvPr/>
-        </p:nvSpPr>
-        <p:spPr>
-          <a:xfrm>
-            <a:off x="5690286" y="468352"/>
-            <a:ext cx="813684" cy="369332"/>
-          </a:xfrm>
-          <a:prstGeom prst="rect">
-            <a:avLst/>
-          </a:prstGeom>
-          <a:noFill/>
-        </p:spPr>
-        <p:txBody>
-          <a:bodyPr wrap="none" rtlCol="0">
-            <a:spAutoFit/>
-          </a:bodyPr>
-          <a:lstStyle/>
-          <a:p>
-            <a:r>
-              <a:rPr lang="en-US" b="1" dirty="0" smtClean="0">
-                <a:solidFill>
-                  <a:schemeClr val="bg1"/>
-                </a:solidFill>
-                <a:effectLst>
-                  <a:outerShdw blurRad="38100" dist="38100" dir="2700000" algn="tl">
-                    <a:srgbClr val="000000">
-                      <a:alpha val="43137"/>
-                    </a:srgbClr>
-                  </a:outerShdw>
-                </a:effectLst>
-              </a:rPr>
-              <a:t>256 </a:t>
-            </a:r>
-            <a:r>
-              <a:rPr lang="en-US" b="1" dirty="0" err="1" smtClean="0">
-                <a:solidFill>
-                  <a:schemeClr val="bg1"/>
-                </a:solidFill>
-                <a:effectLst>
-                  <a:outerShdw blurRad="38100" dist="38100" dir="2700000" algn="tl">
-                    <a:srgbClr val="000000">
-                      <a:alpha val="43137"/>
-                    </a:srgbClr>
-                  </a:outerShdw>
-                </a:effectLst>
-              </a:rPr>
-              <a:t>px</a:t>
-            </a:r>
-            <a:endParaRPr lang="en-US" b="1" dirty="0">
-              <a:solidFill>
-                <a:schemeClr val="bg1"/>
-              </a:solidFill>
-              <a:effectLst>
-                <a:outerShdw blurRad="38100" dist="38100" dir="2700000" algn="tl">
-                  <a:srgbClr val="000000">
-                    <a:alpha val="43137"/>
-                  </a:srgbClr>
-                </a:outerShdw>
-              </a:effectLst>
-            </a:endParaRPr>
-          </a:p>
-        </p:txBody>
-      </p:sp>
-      <p:sp>
-        <p:nvSpPr>
-          <p:cNvPr id="12" name="TextBox 11"/>
-          <p:cNvSpPr txBox="1"/>
-          <p:nvPr/>
-        </p:nvSpPr>
-        <p:spPr>
-          <a:xfrm rot="5400000">
-            <a:off x="7626424" y="2489126"/>
-            <a:ext cx="813684" cy="369332"/>
-          </a:xfrm>
-          <a:prstGeom prst="rect">
-            <a:avLst/>
-          </a:prstGeom>
-          <a:noFill/>
-        </p:spPr>
-        <p:txBody>
-          <a:bodyPr wrap="none" rtlCol="0">
-            <a:spAutoFit/>
-          </a:bodyPr>
-          <a:lstStyle/>
-          <a:p>
-            <a:r>
-              <a:rPr lang="en-US" b="1" dirty="0" smtClean="0">
-                <a:solidFill>
-                  <a:schemeClr val="bg1"/>
-                </a:solidFill>
-                <a:effectLst>
-                  <a:outerShdw blurRad="38100" dist="38100" dir="2700000" algn="tl">
-                    <a:srgbClr val="000000">
-                      <a:alpha val="43137"/>
-                    </a:srgbClr>
-                  </a:outerShdw>
-                </a:effectLst>
-              </a:rPr>
-              <a:t>256 </a:t>
-            </a:r>
-            <a:r>
-              <a:rPr lang="en-US" b="1" dirty="0" err="1" smtClean="0">
-                <a:solidFill>
-                  <a:schemeClr val="bg1"/>
-                </a:solidFill>
-                <a:effectLst>
-                  <a:outerShdw blurRad="38100" dist="38100" dir="2700000" algn="tl">
-                    <a:srgbClr val="000000">
-                      <a:alpha val="43137"/>
-                    </a:srgbClr>
-                  </a:outerShdw>
-                </a:effectLst>
-              </a:rPr>
-              <a:t>px</a:t>
-            </a:r>
-            <a:endParaRPr lang="en-US" b="1" dirty="0">
-              <a:solidFill>
-                <a:schemeClr val="bg1"/>
-              </a:solidFill>
-              <a:effectLst>
-                <a:outerShdw blurRad="38100" dist="38100" dir="2700000" algn="tl">
-                  <a:srgbClr val="000000">
-                    <a:alpha val="43137"/>
-                  </a:srgbClr>
-                </a:outerShdw>
-              </a:effectLst>
-            </a:endParaRPr>
-          </a:p>
-        </p:txBody>
-      </p:sp>
-      <p:cxnSp>
-        <p:nvCxnSpPr>
-          <p:cNvPr id="13" name="Straight Connector 12"/>
-          <p:cNvCxnSpPr/>
-          <p:nvPr/>
-        </p:nvCxnSpPr>
-        <p:spPr>
-          <a:xfrm>
-            <a:off x="6553200" y="666750"/>
-            <a:ext cx="1219200" cy="0"/>
-          </a:xfrm>
-          <a:prstGeom prst="line">
-            <a:avLst/>
-          </a:prstGeom>
-          <a:ln>
-            <a:solidFill>
-              <a:schemeClr val="bg1"/>
-            </a:solidFill>
-          </a:ln>
-        </p:spPr>
-        <p:style>
-          <a:lnRef idx="3">
-            <a:schemeClr val="accent6"/>
-          </a:lnRef>
-          <a:fillRef idx="0">
-            <a:schemeClr val="accent6"/>
-          </a:fillRef>
-          <a:effectRef idx="2">
-            <a:schemeClr val="accent6"/>
-          </a:effectRef>
-          <a:fontRef idx="minor">
-            <a:schemeClr val="tx1"/>
-          </a:fontRef>
-        </p:style>
-      </p:cxnSp>
-      <p:cxnSp>
-        <p:nvCxnSpPr>
-          <p:cNvPr id="15" name="Straight Connector 14"/>
-          <p:cNvCxnSpPr/>
-          <p:nvPr/>
-        </p:nvCxnSpPr>
-        <p:spPr>
-          <a:xfrm>
-            <a:off x="4343400" y="666750"/>
-            <a:ext cx="1219200" cy="0"/>
-          </a:xfrm>
-          <a:prstGeom prst="line">
-            <a:avLst/>
-          </a:prstGeom>
-          <a:ln>
-            <a:solidFill>
-              <a:schemeClr val="bg1"/>
-            </a:solidFill>
-          </a:ln>
-        </p:spPr>
-        <p:style>
-          <a:lnRef idx="3">
-            <a:schemeClr val="accent6"/>
-          </a:lnRef>
-          <a:fillRef idx="0">
-            <a:schemeClr val="accent6"/>
-          </a:fillRef>
-          <a:effectRef idx="2">
-            <a:schemeClr val="accent6"/>
-          </a:effectRef>
-          <a:fontRef idx="minor">
-            <a:schemeClr val="tx1"/>
-          </a:fontRef>
-        </p:style>
-      </p:cxnSp>
-      <p:cxnSp>
-        <p:nvCxnSpPr>
-          <p:cNvPr id="5" name="Straight Connector 4"/>
-          <p:cNvCxnSpPr/>
-          <p:nvPr/>
-        </p:nvCxnSpPr>
-        <p:spPr>
-          <a:xfrm flipV="1">
-            <a:off x="4343400" y="514350"/>
-            <a:ext cx="0" cy="304800"/>
-          </a:xfrm>
-          <a:prstGeom prst="line">
-            <a:avLst/>
-          </a:prstGeom>
-          <a:ln>
-            <a:solidFill>
-              <a:schemeClr val="bg1"/>
-            </a:solidFill>
-          </a:ln>
-        </p:spPr>
-        <p:style>
-          <a:lnRef idx="3">
-            <a:schemeClr val="accent6"/>
-          </a:lnRef>
-          <a:fillRef idx="0">
-            <a:schemeClr val="accent6"/>
-          </a:fillRef>
-          <a:effectRef idx="2">
-            <a:schemeClr val="accent6"/>
-          </a:effectRef>
-          <a:fontRef idx="minor">
-            <a:schemeClr val="tx1"/>
-          </a:fontRef>
-        </p:style>
-      </p:cxnSp>
-      <p:cxnSp>
-        <p:nvCxnSpPr>
-          <p:cNvPr id="6" name="Straight Connector 5"/>
-          <p:cNvCxnSpPr/>
-          <p:nvPr/>
-        </p:nvCxnSpPr>
-        <p:spPr>
-          <a:xfrm flipV="1">
-            <a:off x="7772400" y="514350"/>
-            <a:ext cx="0" cy="304800"/>
-          </a:xfrm>
-          <a:prstGeom prst="line">
-            <a:avLst/>
-          </a:prstGeom>
-          <a:ln>
-            <a:solidFill>
-              <a:schemeClr val="bg1"/>
-            </a:solidFill>
-          </a:ln>
-        </p:spPr>
-        <p:style>
-          <a:lnRef idx="3">
-            <a:schemeClr val="accent6"/>
-          </a:lnRef>
-          <a:fillRef idx="0">
-            <a:schemeClr val="accent6"/>
-          </a:fillRef>
-          <a:effectRef idx="2">
-            <a:schemeClr val="accent6"/>
-          </a:effectRef>
-          <a:fontRef idx="minor">
-            <a:schemeClr val="tx1"/>
-          </a:fontRef>
-        </p:style>
-      </p:cxnSp>
-      <p:cxnSp>
-        <p:nvCxnSpPr>
-          <p:cNvPr id="19" name="Straight Connector 18"/>
-          <p:cNvCxnSpPr/>
-          <p:nvPr/>
-        </p:nvCxnSpPr>
-        <p:spPr>
-          <a:xfrm flipV="1">
-            <a:off x="8001000" y="895350"/>
-            <a:ext cx="0" cy="1295400"/>
-          </a:xfrm>
-          <a:prstGeom prst="line">
-            <a:avLst/>
-          </a:prstGeom>
-          <a:ln>
-            <a:solidFill>
-              <a:schemeClr val="bg1"/>
-            </a:solidFill>
-          </a:ln>
-        </p:spPr>
-        <p:style>
-          <a:lnRef idx="3">
-            <a:schemeClr val="accent6"/>
-          </a:lnRef>
-          <a:fillRef idx="0">
-            <a:schemeClr val="accent6"/>
-          </a:fillRef>
-          <a:effectRef idx="2">
-            <a:schemeClr val="accent6"/>
-          </a:effectRef>
-          <a:fontRef idx="minor">
-            <a:schemeClr val="tx1"/>
-          </a:fontRef>
-        </p:style>
-      </p:cxnSp>
-      <p:cxnSp>
-        <p:nvCxnSpPr>
-          <p:cNvPr id="20" name="Straight Connector 19"/>
-          <p:cNvCxnSpPr/>
-          <p:nvPr/>
-        </p:nvCxnSpPr>
-        <p:spPr>
-          <a:xfrm flipV="1">
-            <a:off x="8001000" y="3105150"/>
-            <a:ext cx="0" cy="1219200"/>
-          </a:xfrm>
-          <a:prstGeom prst="line">
-            <a:avLst/>
-          </a:prstGeom>
-          <a:ln>
-            <a:solidFill>
-              <a:schemeClr val="bg1"/>
-            </a:solidFill>
-          </a:ln>
-        </p:spPr>
-        <p:style>
-          <a:lnRef idx="3">
-            <a:schemeClr val="accent6"/>
-          </a:lnRef>
-          <a:fillRef idx="0">
-            <a:schemeClr val="accent6"/>
-          </a:fillRef>
-          <a:effectRef idx="2">
-            <a:schemeClr val="accent6"/>
-          </a:effectRef>
-          <a:fontRef idx="minor">
-            <a:schemeClr val="tx1"/>
-          </a:fontRef>
-        </p:style>
-      </p:cxnSp>
-      <p:cxnSp>
-        <p:nvCxnSpPr>
-          <p:cNvPr id="7" name="Straight Connector 6"/>
-          <p:cNvCxnSpPr/>
-          <p:nvPr/>
-        </p:nvCxnSpPr>
-        <p:spPr>
-          <a:xfrm>
-            <a:off x="7848600" y="895350"/>
-            <a:ext cx="304800" cy="0"/>
-          </a:xfrm>
-          <a:prstGeom prst="line">
-            <a:avLst/>
-          </a:prstGeom>
-          <a:ln>
-            <a:solidFill>
-              <a:schemeClr val="bg1"/>
-            </a:solidFill>
-          </a:ln>
-        </p:spPr>
-        <p:style>
-          <a:lnRef idx="3">
-            <a:schemeClr val="accent6"/>
-          </a:lnRef>
-          <a:fillRef idx="0">
-            <a:schemeClr val="accent6"/>
-          </a:fillRef>
-          <a:effectRef idx="2">
-            <a:schemeClr val="accent6"/>
-          </a:effectRef>
-          <a:fontRef idx="minor">
-            <a:schemeClr val="tx1"/>
-          </a:fontRef>
-        </p:style>
-      </p:cxnSp>
-      <p:cxnSp>
-        <p:nvCxnSpPr>
-          <p:cNvPr id="10" name="Straight Connector 9"/>
-          <p:cNvCxnSpPr/>
-          <p:nvPr/>
-        </p:nvCxnSpPr>
-        <p:spPr>
-          <a:xfrm>
-            <a:off x="7848600" y="4324350"/>
-            <a:ext cx="304800" cy="0"/>
-          </a:xfrm>
-          <a:prstGeom prst="line">
-            <a:avLst/>
-          </a:prstGeom>
-          <a:ln>
-            <a:solidFill>
-              <a:schemeClr val="bg1"/>
-            </a:solidFill>
-          </a:ln>
-        </p:spPr>
-        <p:style>
-          <a:lnRef idx="3">
-            <a:schemeClr val="accent6"/>
-          </a:lnRef>
-          <a:fillRef idx="0">
-            <a:schemeClr val="accent6"/>
-          </a:fillRef>
-          <a:effectRef idx="2">
-            <a:schemeClr val="accent6"/>
-          </a:effectRef>
-          <a:fontRef idx="minor">
-            <a:schemeClr val="tx1"/>
-          </a:fontRef>
-        </p:style>
-      </p:cxnSp>
-      <p:sp>
-        <p:nvSpPr>
-          <p:cNvPr id="21" name="Title 1"/>
-          <p:cNvSpPr txBox="1">
-            <a:spLocks/>
-          </p:cNvSpPr>
-          <p:nvPr/>
-        </p:nvSpPr>
-        <p:spPr>
-          <a:xfrm>
-            <a:off x="2209800" y="971550"/>
-            <a:ext cx="3429000" cy="2441971"/>
-          </a:xfrm>
-          <a:prstGeom prst="rect">
-            <a:avLst/>
-          </a:prstGeom>
-        </p:spPr>
-        <p:txBody>
-          <a:bodyPr vert="horz" lIns="91440" tIns="45720" rIns="91440" bIns="45720" rtlCol="0" anchor="ctr">
-            <a:normAutofit/>
-          </a:bodyPr>
-          <a:lstStyle/>
-          <a:p>
-            <a:pPr marL="0" marR="0" lvl="0" indent="0" algn="ctr" defTabSz="914400" rtl="0" eaLnBrk="1" fontAlgn="auto" latinLnBrk="0" hangingPunct="1">
-              <a:lnSpc>
-                <a:spcPct val="100000"/>
-              </a:lnSpc>
-              <a:spcBef>
-                <a:spcPct val="0"/>
-              </a:spcBef>
-              <a:spcAft>
-                <a:spcPts val="0"/>
-              </a:spcAft>
-              <a:buClrTx/>
-              <a:buSzTx/>
-              <a:buFontTx/>
-              <a:buNone/>
-              <a:tabLst/>
-              <a:defRPr/>
-            </a:pPr>
-            <a:r>
-              <a:rPr kumimoji="0" lang="en-US" sz="4400" b="1" i="0" u="none" strike="noStrike" kern="1200" cap="none" spc="0" normalizeH="0" baseline="0" noProof="0" dirty="0" smtClean="0">
-                <a:ln>
-                  <a:noFill/>
-                </a:ln>
-                <a:solidFill>
-                  <a:schemeClr val="bg1"/>
-                </a:solidFill>
-                <a:effectLst>
-                  <a:outerShdw blurRad="38100" dist="38100" dir="2700000" algn="tl">
-                    <a:srgbClr val="000000">
-                      <a:alpha val="43137"/>
-                    </a:srgbClr>
-                  </a:outerShdw>
-                </a:effectLst>
-                <a:uLnTx/>
-                <a:uFillTx/>
-                <a:latin typeface="+mj-lt"/>
-                <a:ea typeface="+mj-ea"/>
-                <a:cs typeface="+mj-cs"/>
-              </a:rPr>
-              <a:t>z0</a:t>
-            </a:r>
-          </a:p>
-        </p:txBody>
-      </p:sp>
-      <p:sp>
-        <p:nvSpPr>
-          <p:cNvPr id="22" name="Title 1"/>
-          <p:cNvSpPr txBox="1">
-            <a:spLocks/>
-          </p:cNvSpPr>
-          <p:nvPr/>
-        </p:nvSpPr>
-        <p:spPr>
-          <a:xfrm>
-            <a:off x="1524000" y="1809750"/>
-            <a:ext cx="3429000" cy="2441971"/>
-          </a:xfrm>
-          <a:prstGeom prst="rect">
-            <a:avLst/>
-          </a:prstGeom>
-        </p:spPr>
-        <p:txBody>
-          <a:bodyPr vert="horz" lIns="91440" tIns="45720" rIns="91440" bIns="45720" rtlCol="0" anchor="ctr">
-            <a:normAutofit/>
-          </a:bodyPr>
-          <a:lstStyle/>
-          <a:p>
-            <a:pPr marL="0" marR="0" lvl="0" indent="0" algn="ctr" defTabSz="914400" rtl="0" eaLnBrk="1" fontAlgn="auto" latinLnBrk="0" hangingPunct="1">
-              <a:lnSpc>
-                <a:spcPct val="100000"/>
-              </a:lnSpc>
-              <a:spcBef>
-                <a:spcPct val="0"/>
-              </a:spcBef>
-              <a:spcAft>
-                <a:spcPts val="0"/>
-              </a:spcAft>
-              <a:buClrTx/>
-              <a:buSzTx/>
-              <a:buFontTx/>
-              <a:buNone/>
-              <a:tabLst/>
-              <a:defRPr/>
-            </a:pPr>
-            <a:r>
-              <a:rPr kumimoji="0" lang="en-US" sz="4400" b="1" i="0" u="none" strike="noStrike" kern="1200" cap="none" spc="0" normalizeH="0" baseline="0" noProof="0" dirty="0" smtClean="0">
-                <a:ln>
-                  <a:noFill/>
-                </a:ln>
-                <a:solidFill>
-                  <a:schemeClr val="bg1"/>
-                </a:solidFill>
-                <a:effectLst>
-                  <a:outerShdw blurRad="38100" dist="38100" dir="2700000" algn="tl">
-                    <a:srgbClr val="000000">
-                      <a:alpha val="43137"/>
-                    </a:srgbClr>
-                  </a:outerShdw>
-                </a:effectLst>
-                <a:uLnTx/>
-                <a:uFillTx/>
-                <a:latin typeface="+mj-lt"/>
-                <a:ea typeface="+mj-ea"/>
-                <a:cs typeface="+mj-cs"/>
-              </a:rPr>
-              <a:t>z1</a:t>
-            </a:r>
-          </a:p>
-        </p:txBody>
-      </p:sp>
-      <p:pic>
-        <p:nvPicPr>
-          <p:cNvPr id="14" name="Picture 13" descr="0.png"/>
-          <p:cNvPicPr>
-            <a:picLocks noChangeAspect="1"/>
-          </p:cNvPicPr>
-          <p:nvPr/>
-        </p:nvPicPr>
-        <p:blipFill>
-          <a:blip r:embed="rId3" cstate="print"/>
-          <a:stretch>
-            <a:fillRect/>
-          </a:stretch>
-        </p:blipFill>
-        <p:spPr>
-          <a:xfrm>
-            <a:off x="3581400" y="133350"/>
-            <a:ext cx="2438400" cy="2438400"/>
-          </a:xfrm>
-          <a:prstGeom prst="rect">
-            <a:avLst/>
-          </a:prstGeom>
-          <a:ln>
-            <a:noFill/>
-          </a:ln>
-          <a:effectLst>
-            <a:outerShdw blurRad="292100" dist="139700" dir="2700000" algn="tl" rotWithShape="0">
-              <a:srgbClr val="333333">
-                <a:alpha val="65000"/>
-              </a:srgbClr>
-            </a:outerShdw>
-          </a:effectLst>
-        </p:spPr>
-      </p:pic>
-      <p:pic>
-        <p:nvPicPr>
-          <p:cNvPr id="16" name="Picture 15" descr="1.png"/>
-          <p:cNvPicPr>
-            <a:picLocks noChangeAspect="1"/>
-          </p:cNvPicPr>
-          <p:nvPr/>
-        </p:nvPicPr>
-        <p:blipFill>
-          <a:blip r:embed="rId4" cstate="print"/>
-          <a:stretch>
-            <a:fillRect/>
-          </a:stretch>
-        </p:blipFill>
-        <p:spPr>
-          <a:xfrm>
-            <a:off x="6096000" y="133350"/>
-            <a:ext cx="2438400" cy="2438400"/>
-          </a:xfrm>
-          <a:prstGeom prst="rect">
-            <a:avLst/>
-          </a:prstGeom>
-          <a:ln>
-            <a:noFill/>
-          </a:ln>
-          <a:effectLst>
-            <a:outerShdw blurRad="292100" dist="139700" dir="2700000" algn="tl" rotWithShape="0">
-              <a:srgbClr val="333333">
-                <a:alpha val="65000"/>
-              </a:srgbClr>
-            </a:outerShdw>
-          </a:effectLst>
-        </p:spPr>
-      </p:pic>
-      <p:pic>
-        <p:nvPicPr>
-          <p:cNvPr id="17" name="Picture 16" descr="2.png"/>
-          <p:cNvPicPr>
-            <a:picLocks noChangeAspect="1"/>
-          </p:cNvPicPr>
-          <p:nvPr/>
-        </p:nvPicPr>
-        <p:blipFill>
-          <a:blip r:embed="rId5" cstate="print"/>
-          <a:stretch>
-            <a:fillRect/>
-          </a:stretch>
-        </p:blipFill>
-        <p:spPr>
-          <a:xfrm>
-            <a:off x="3581400" y="2647950"/>
-            <a:ext cx="2438400" cy="2438400"/>
-          </a:xfrm>
-          <a:prstGeom prst="rect">
-            <a:avLst/>
-          </a:prstGeom>
-          <a:ln>
-            <a:noFill/>
-          </a:ln>
-          <a:effectLst>
-            <a:outerShdw blurRad="292100" dist="139700" dir="2700000" algn="tl" rotWithShape="0">
-              <a:srgbClr val="333333">
-                <a:alpha val="65000"/>
-              </a:srgbClr>
-            </a:outerShdw>
-          </a:effectLst>
-        </p:spPr>
-      </p:pic>
-      <p:pic>
-        <p:nvPicPr>
-          <p:cNvPr id="18" name="Picture 17" descr="3.png"/>
-          <p:cNvPicPr>
-            <a:picLocks noChangeAspect="1"/>
-          </p:cNvPicPr>
-          <p:nvPr/>
-        </p:nvPicPr>
-        <p:blipFill>
-          <a:blip r:embed="rId6" cstate="print"/>
-          <a:stretch>
-            <a:fillRect/>
-          </a:stretch>
-        </p:blipFill>
-        <p:spPr>
-          <a:xfrm>
-            <a:off x="6096000" y="2647950"/>
-            <a:ext cx="2438400" cy="2438400"/>
-          </a:xfrm>
-          <a:prstGeom prst="rect">
-            <a:avLst/>
-          </a:prstGeom>
-          <a:ln>
-            <a:noFill/>
-          </a:ln>
-          <a:effectLst>
-            <a:outerShdw blurRad="292100" dist="139700" dir="2700000" algn="tl" rotWithShape="0">
-              <a:srgbClr val="333333">
-                <a:alpha val="65000"/>
-              </a:srgbClr>
-            </a:outerShdw>
-          </a:effectLst>
-        </p:spPr>
-      </p:pic>
-      <p:sp>
-        <p:nvSpPr>
-          <p:cNvPr id="23" name="Title 1"/>
-          <p:cNvSpPr txBox="1">
-            <a:spLocks/>
-          </p:cNvSpPr>
-          <p:nvPr/>
-        </p:nvSpPr>
-        <p:spPr>
-          <a:xfrm>
-            <a:off x="304800" y="2876550"/>
-            <a:ext cx="3429000" cy="2266950"/>
-          </a:xfrm>
-          <a:prstGeom prst="rect">
-            <a:avLst/>
-          </a:prstGeom>
-        </p:spPr>
-        <p:txBody>
-          <a:bodyPr vert="horz" lIns="91440" tIns="45720" rIns="91440" bIns="45720" rtlCol="0" anchor="ctr">
-            <a:normAutofit/>
-          </a:bodyPr>
-          <a:lstStyle/>
-          <a:p>
-            <a:pPr marL="0" marR="0" lvl="0" indent="0" algn="ctr" defTabSz="914400" rtl="0" eaLnBrk="1" fontAlgn="auto" latinLnBrk="0" hangingPunct="1">
-              <a:lnSpc>
-                <a:spcPct val="100000"/>
-              </a:lnSpc>
-              <a:spcBef>
-                <a:spcPct val="0"/>
-              </a:spcBef>
-              <a:spcAft>
-                <a:spcPts val="0"/>
-              </a:spcAft>
-              <a:buClrTx/>
-              <a:buSzTx/>
-              <a:buFontTx/>
-              <a:buNone/>
-              <a:tabLst/>
-              <a:defRPr/>
-            </a:pPr>
-            <a:r>
-              <a:rPr lang="en-US" sz="4400" b="1" dirty="0" smtClean="0">
-                <a:solidFill>
-                  <a:schemeClr val="bg1"/>
-                </a:solidFill>
-                <a:effectLst>
-                  <a:outerShdw blurRad="38100" dist="38100" dir="2700000" algn="tl">
-                    <a:srgbClr val="000000">
-                      <a:alpha val="43137"/>
-                    </a:srgbClr>
-                  </a:outerShdw>
-                </a:effectLst>
-                <a:latin typeface="+mj-lt"/>
-                <a:ea typeface="+mj-ea"/>
-                <a:cs typeface="+mj-cs"/>
-              </a:rPr>
-              <a:t>and so on…</a:t>
-            </a:r>
-            <a:endParaRPr kumimoji="0" lang="en-US" sz="4400" b="1" i="0" u="none" strike="noStrike" kern="1200" cap="none" spc="0" normalizeH="0" baseline="0" noProof="0" dirty="0" smtClean="0">
-              <a:ln>
-                <a:noFill/>
-              </a:ln>
-              <a:solidFill>
-                <a:schemeClr val="bg1"/>
-              </a:solidFill>
-              <a:effectLst>
-                <a:outerShdw blurRad="38100" dist="38100" dir="2700000" algn="tl">
-                  <a:srgbClr val="000000">
-                    <a:alpha val="43137"/>
-                  </a:srgbClr>
-                </a:outerShdw>
-              </a:effectLst>
-              <a:uLnTx/>
-              <a:uFillTx/>
-              <a:latin typeface="+mj-lt"/>
-              <a:ea typeface="+mj-ea"/>
-              <a:cs typeface="+mj-cs"/>
-            </a:endParaRPr>
-          </a:p>
-        </p:txBody>
-      </p:sp>
-    </p:spTree>
-  </p:cSld>
-  <p:clrMapOvr>
-    <a:masterClrMapping/>
-  </p:clrMapOvr>
-  <p:timing>
-    <p:tnLst>
-      <p:par>
-        <p:cTn id="1" dur="indefinite" restart="never" nodeType="tmRoot">
-          <p:childTnLst>
-            <p:seq concurrent="1" nextAc="seek">
-              <p:cTn id="2" dur="indefinite" nodeType="mainSeq">
-                <p:childTnLst>
-                  <p:par>
-                    <p:cTn id="3" fill="hold">
-                      <p:stCondLst>
-                        <p:cond delay="indefinite"/>
-                      </p:stCondLst>
-                      <p:childTnLst>
-                        <p:par>
-                          <p:cTn id="4" fill="hold">
-                            <p:stCondLst>
-                              <p:cond delay="0"/>
-                            </p:stCondLst>
-                            <p:childTnLst>
-                              <p:par>
-                                <p:cTn id="5" presetID="22" presetClass="entr" presetSubtype="4" fill="hold" nodeType="clickEffect">
-                                  <p:stCondLst>
-                                    <p:cond delay="0"/>
-                                  </p:stCondLst>
-                                  <p:childTnLst>
-                                    <p:set>
-                                      <p:cBhvr>
-                                        <p:cTn id="6" dur="1" fill="hold">
-                                          <p:stCondLst>
-                                            <p:cond delay="0"/>
-                                          </p:stCondLst>
-                                        </p:cTn>
-                                        <p:tgtEl>
-                                          <p:spTgt spid="14"/>
-                                        </p:tgtEl>
-                                        <p:attrNameLst>
-                                          <p:attrName>style.visibility</p:attrName>
-                                        </p:attrNameLst>
-                                      </p:cBhvr>
-                                      <p:to>
-                                        <p:strVal val="visible"/>
-                                      </p:to>
-                                    </p:set>
-                                    <p:animEffect transition="in" filter="wipe(down)">
-                                      <p:cBhvr>
-                                        <p:cTn id="7" dur="500"/>
-                                        <p:tgtEl>
-                                          <p:spTgt spid="14"/>
-                                        </p:tgtEl>
-                                      </p:cBhvr>
-                                    </p:animEffect>
-                                  </p:childTnLst>
-                                </p:cTn>
-                              </p:par>
-                              <p:par>
-                                <p:cTn id="8" presetID="22" presetClass="entr" presetSubtype="4" fill="hold" nodeType="withEffect">
-                                  <p:stCondLst>
-                                    <p:cond delay="0"/>
-                                  </p:stCondLst>
-                                  <p:childTnLst>
-                                    <p:set>
-                                      <p:cBhvr>
-                                        <p:cTn id="9" dur="1" fill="hold">
-                                          <p:stCondLst>
-                                            <p:cond delay="0"/>
-                                          </p:stCondLst>
-                                        </p:cTn>
-                                        <p:tgtEl>
-                                          <p:spTgt spid="16"/>
-                                        </p:tgtEl>
-                                        <p:attrNameLst>
-                                          <p:attrName>style.visibility</p:attrName>
-                                        </p:attrNameLst>
-                                      </p:cBhvr>
-                                      <p:to>
-                                        <p:strVal val="visible"/>
-                                      </p:to>
-                                    </p:set>
-                                    <p:animEffect transition="in" filter="wipe(down)">
-                                      <p:cBhvr>
-                                        <p:cTn id="10" dur="500"/>
-                                        <p:tgtEl>
-                                          <p:spTgt spid="16"/>
-                                        </p:tgtEl>
-                                      </p:cBhvr>
-                                    </p:animEffect>
-                                  </p:childTnLst>
-                                </p:cTn>
-                              </p:par>
-                              <p:par>
-                                <p:cTn id="11" presetID="22" presetClass="entr" presetSubtype="1" fill="hold" nodeType="withEffect">
-                                  <p:stCondLst>
-                                    <p:cond delay="0"/>
-                                  </p:stCondLst>
-                                  <p:childTnLst>
-                                    <p:set>
-                                      <p:cBhvr>
-                                        <p:cTn id="12" dur="1" fill="hold">
-                                          <p:stCondLst>
-                                            <p:cond delay="0"/>
-                                          </p:stCondLst>
-                                        </p:cTn>
-                                        <p:tgtEl>
-                                          <p:spTgt spid="17"/>
-                                        </p:tgtEl>
-                                        <p:attrNameLst>
-                                          <p:attrName>style.visibility</p:attrName>
-                                        </p:attrNameLst>
-                                      </p:cBhvr>
-                                      <p:to>
-                                        <p:strVal val="visible"/>
-                                      </p:to>
-                                    </p:set>
-                                    <p:animEffect transition="in" filter="wipe(up)">
-                                      <p:cBhvr>
-                                        <p:cTn id="13" dur="500"/>
-                                        <p:tgtEl>
-                                          <p:spTgt spid="17"/>
-                                        </p:tgtEl>
-                                      </p:cBhvr>
-                                    </p:animEffect>
-                                  </p:childTnLst>
-                                </p:cTn>
-                              </p:par>
-                              <p:par>
-                                <p:cTn id="14" presetID="22" presetClass="entr" presetSubtype="1" fill="hold" nodeType="withEffect">
-                                  <p:stCondLst>
-                                    <p:cond delay="0"/>
-                                  </p:stCondLst>
-                                  <p:childTnLst>
-                                    <p:set>
-                                      <p:cBhvr>
-                                        <p:cTn id="15" dur="1" fill="hold">
-                                          <p:stCondLst>
-                                            <p:cond delay="0"/>
-                                          </p:stCondLst>
-                                        </p:cTn>
-                                        <p:tgtEl>
-                                          <p:spTgt spid="18"/>
-                                        </p:tgtEl>
-                                        <p:attrNameLst>
-                                          <p:attrName>style.visibility</p:attrName>
-                                        </p:attrNameLst>
-                                      </p:cBhvr>
-                                      <p:to>
-                                        <p:strVal val="visible"/>
-                                      </p:to>
-                                    </p:set>
-                                    <p:animEffect transition="in" filter="wipe(up)">
-                                      <p:cBhvr>
-                                        <p:cTn id="16" dur="500"/>
-                                        <p:tgtEl>
-                                          <p:spTgt spid="18"/>
-                                        </p:tgtEl>
-                                      </p:cBhvr>
-                                    </p:animEffect>
-                                  </p:childTnLst>
-                                </p:cTn>
-                              </p:par>
-                              <p:par>
-                                <p:cTn id="17" presetID="10" presetClass="entr" presetSubtype="0" fill="hold" grpId="0" nodeType="withEffect">
-                                  <p:stCondLst>
-                                    <p:cond delay="0"/>
-                                  </p:stCondLst>
-                                  <p:childTnLst>
-                                    <p:set>
-                                      <p:cBhvr>
-                                        <p:cTn id="18" dur="1" fill="hold">
-                                          <p:stCondLst>
-                                            <p:cond delay="0"/>
-                                          </p:stCondLst>
-                                        </p:cTn>
-                                        <p:tgtEl>
-                                          <p:spTgt spid="22"/>
-                                        </p:tgtEl>
-                                        <p:attrNameLst>
-                                          <p:attrName>style.visibility</p:attrName>
-                                        </p:attrNameLst>
-                                      </p:cBhvr>
-                                      <p:to>
-                                        <p:strVal val="visible"/>
-                                      </p:to>
-                                    </p:set>
-                                    <p:animEffect transition="in" filter="fade">
-                                      <p:cBhvr>
-                                        <p:cTn id="19" dur="500"/>
-                                        <p:tgtEl>
-                                          <p:spTgt spid="22"/>
-                                        </p:tgtEl>
-                                      </p:cBhvr>
-                                    </p:animEffect>
-                                  </p:childTnLst>
-                                </p:cTn>
-                              </p:par>
-                            </p:childTnLst>
-                          </p:cTn>
-                        </p:par>
-                        <p:par>
-                          <p:cTn id="20" fill="hold">
-                            <p:stCondLst>
-                              <p:cond delay="500"/>
-                            </p:stCondLst>
-                            <p:childTnLst>
-                              <p:par>
-                                <p:cTn id="21" presetID="10" presetClass="entr" presetSubtype="0" fill="hold" grpId="0" nodeType="afterEffect">
-                                  <p:stCondLst>
-                                    <p:cond delay="0"/>
-                                  </p:stCondLst>
-                                  <p:childTnLst>
-                                    <p:set>
-                                      <p:cBhvr>
-                                        <p:cTn id="22" dur="1" fill="hold">
-                                          <p:stCondLst>
-                                            <p:cond delay="0"/>
-                                          </p:stCondLst>
-                                        </p:cTn>
-                                        <p:tgtEl>
-                                          <p:spTgt spid="23"/>
-                                        </p:tgtEl>
-                                        <p:attrNameLst>
-                                          <p:attrName>style.visibility</p:attrName>
-                                        </p:attrNameLst>
-                                      </p:cBhvr>
-                                      <p:to>
-                                        <p:strVal val="visible"/>
-                                      </p:to>
-                                    </p:set>
-                                    <p:animEffect transition="in" filter="fade">
-                                      <p:cBhvr>
-                                        <p:cTn id="23" dur="500"/>
-                                        <p:tgtEl>
-                                          <p:spTgt spid="23"/>
-                                        </p:tgtEl>
-                                      </p:cBhvr>
-                                    </p:animEffect>
-                                  </p:childTnLst>
-                                </p:cTn>
-                              </p:par>
-                            </p:childTnLst>
-                          </p:cTn>
-                        </p:par>
-                      </p:childTnLst>
-                    </p:cTn>
-                  </p:par>
-                </p:childTnLst>
-              </p:cTn>
-              <p:prevCondLst>
-                <p:cond evt="onPrev" delay="0">
-                  <p:tgtEl>
-                    <p:sldTgt/>
-                  </p:tgtEl>
-                </p:cond>
-              </p:prevCondLst>
-              <p:nextCondLst>
-                <p:cond evt="onNext" delay="0">
-                  <p:tgtEl>
-                    <p:sldTgt/>
-                  </p:tgtEl>
-                </p:cond>
-              </p:nextCondLst>
-            </p:seq>
-          </p:childTnLst>
-        </p:cTn>
-      </p:par>
-    </p:tnLst>
-    <p:bldLst>
-      <p:bldP spid="22" grpId="0"/>
-      <p:bldP spid="23" grpId="0"/>
-    </p:bldLst>
   </p:timing>
 </p:sld>
 </file>
